--- a/VKR_presentation.pptx
+++ b/VKR_presentation.pptx
@@ -20,14 +20,14 @@
   <p:notesSz cx="6858000" cy="9144000"/>
   <p:embeddedFontLst>
     <p:embeddedFont>
-      <p:font typeface="Open Sans" panose="020B0604020202020204" charset="0"/>
+      <p:font typeface="Constantia" panose="02030602050306030303" pitchFamily="18" charset="0"/>
       <p:regular r:id="rId10"/>
       <p:bold r:id="rId11"/>
       <p:italic r:id="rId12"/>
       <p:boldItalic r:id="rId13"/>
     </p:embeddedFont>
     <p:embeddedFont>
-      <p:font typeface="Constantia" panose="02030602050306030303" pitchFamily="18" charset="0"/>
+      <p:font typeface="Open Sans" panose="020B0604020202020204" charset="0"/>
       <p:regular r:id="rId14"/>
       <p:bold r:id="rId15"/>
       <p:italic r:id="rId16"/>
@@ -270,7 +270,7 @@
   </p:defaultTextStyle>
   <p:extLst>
     <p:ext uri="{EFAFB233-063F-42B5-8137-9DF3F51BA10A}">
-      <p15:sldGuideLst xmlns:p15="http://schemas.microsoft.com/office/powerpoint/2012/main" xmlns="">
+      <p15:sldGuideLst xmlns="" xmlns:p15="http://schemas.microsoft.com/office/powerpoint/2012/main">
         <p15:guide id="2" pos="347" userDrawn="1">
           <p15:clr>
             <a:srgbClr val="000000"/>
@@ -289,10 +289,10 @@
       </p15:sldGuideLst>
     </p:ext>
     <p:ext uri="{2D200454-40CA-4A62-9FC3-DE9A4176ACB9}">
-      <p15:notesGuideLst xmlns:p15="http://schemas.microsoft.com/office/powerpoint/2012/main" xmlns=""/>
+      <p15:notesGuideLst xmlns="" xmlns:p15="http://schemas.microsoft.com/office/powerpoint/2012/main"/>
     </p:ext>
     <p:ext uri="http://customooxmlschemas.google.com/">
-      <go:slidesCustomData xmlns:go="http://customooxmlschemas.google.com/" xmlns:ahyp="http://schemas.microsoft.com/office/drawing/2018/hyperlinkcolor" xmlns:p15="http://schemas.microsoft.com/office/powerpoint/2012/main" xmlns:p14="http://schemas.microsoft.com/office/powerpoint/2010/main" xmlns:com="http://schemas.openxmlformats.org/drawingml/2006/compatibility" xmlns:pvml="urn:schemas-microsoft-com:office:powerpoint" xmlns:v="urn:schemas-microsoft-com:vml" xmlns:o="urn:schemas-microsoft-com:office:office" xmlns:dgm="http://schemas.openxmlformats.org/drawingml/2006/diagram" xmlns:c="http://schemas.openxmlformats.org/drawingml/2006/chart" xmlns:mv="urn:schemas-microsoft-com:mac:vml" xmlns:mc="http://schemas.openxmlformats.org/markup-compatibility/2006" xmlns="" r:id="rId25" roundtripDataSignature="AMtx7mg2fLzW2NWhC2ejww7VA5lENbgL/Q=="/>
+      <go:slidesCustomData xmlns="" xmlns:mc="http://schemas.openxmlformats.org/markup-compatibility/2006" xmlns:mv="urn:schemas-microsoft-com:mac:vml" xmlns:c="http://schemas.openxmlformats.org/drawingml/2006/chart" xmlns:dgm="http://schemas.openxmlformats.org/drawingml/2006/diagram" xmlns:o="urn:schemas-microsoft-com:office:office" xmlns:v="urn:schemas-microsoft-com:vml" xmlns:pvml="urn:schemas-microsoft-com:office:powerpoint" xmlns:com="http://schemas.openxmlformats.org/drawingml/2006/compatibility" xmlns:p14="http://schemas.microsoft.com/office/powerpoint/2010/main" xmlns:p15="http://schemas.microsoft.com/office/powerpoint/2012/main" xmlns:ahyp="http://schemas.microsoft.com/office/drawing/2018/hyperlinkcolor" xmlns:go="http://customooxmlschemas.google.com/" r:id="rId25" roundtripDataSignature="AMtx7mg2fLzW2NWhC2ejww7VA5lENbgL/Q=="/>
     </p:ext>
   </p:extLst>
 </p:presentation>
@@ -304,1086 +304,6 @@
     <p:extLst/>
   </p:cmAuthor>
 </p:cmAuthorLst>
-</file>
-
-<file path=ppt/charts/chart1.xml><?xml version="1.0" encoding="utf-8"?>
-<c:chartSpace xmlns:c="http://schemas.openxmlformats.org/drawingml/2006/chart" xmlns:a="http://schemas.openxmlformats.org/drawingml/2006/main" xmlns:r="http://schemas.openxmlformats.org/officeDocument/2006/relationships">
-  <c:date1904 val="0"/>
-  <c:lang val="ru-RU"/>
-  <c:roundedCorners val="0"/>
-  <mc:AlternateContent xmlns:mc="http://schemas.openxmlformats.org/markup-compatibility/2006">
-    <mc:Choice xmlns:c14="http://schemas.microsoft.com/office/drawing/2007/8/2/chart" Requires="c14">
-      <c14:style val="102"/>
-    </mc:Choice>
-    <mc:Fallback>
-      <c:style val="2"/>
-    </mc:Fallback>
-  </mc:AlternateContent>
-  <c:chart>
-    <c:autoTitleDeleted val="0"/>
-    <c:plotArea>
-      <c:layout/>
-      <c:lineChart>
-        <c:grouping val="standard"/>
-        <c:varyColors val="0"/>
-        <c:ser>
-          <c:idx val="0"/>
-          <c:order val="0"/>
-          <c:tx>
-            <c:strRef>
-              <c:f>Sheet1!$B$1</c:f>
-              <c:strCache>
-                <c:ptCount val="1"/>
-                <c:pt idx="0">
-                  <c:v>Тест 1</c:v>
-                </c:pt>
-              </c:strCache>
-            </c:strRef>
-          </c:tx>
-          <c:spPr>
-            <a:ln w="28575" cap="rnd" cmpd="sng" algn="ctr">
-              <a:solidFill>
-                <a:schemeClr val="accent1">
-                  <a:shade val="95000"/>
-                  <a:satMod val="105000"/>
-                </a:schemeClr>
-              </a:solidFill>
-              <a:prstDash val="solid"/>
-              <a:round/>
-            </a:ln>
-            <a:effectLst/>
-          </c:spPr>
-          <c:marker>
-            <c:symbol val="circle"/>
-            <c:size val="5"/>
-            <c:spPr>
-              <a:solidFill>
-                <a:schemeClr val="accent1"/>
-              </a:solidFill>
-              <a:ln w="9525" cap="flat" cmpd="sng" algn="ctr">
-                <a:solidFill>
-                  <a:schemeClr val="accent1">
-                    <a:shade val="95000"/>
-                    <a:satMod val="105000"/>
-                  </a:schemeClr>
-                </a:solidFill>
-                <a:prstDash val="solid"/>
-                <a:round/>
-              </a:ln>
-              <a:effectLst/>
-            </c:spPr>
-          </c:marker>
-          <c:dPt>
-            <c:idx val="2"/>
-            <c:bubble3D val="0"/>
-            <c:spPr>
-              <a:ln w="28575" cap="rnd" cmpd="sng" algn="ctr">
-                <a:solidFill>
-                  <a:schemeClr val="accent1">
-                    <a:shade val="95000"/>
-                    <a:satMod val="105000"/>
-                  </a:schemeClr>
-                </a:solidFill>
-                <a:prstDash val="solid"/>
-                <a:round/>
-              </a:ln>
-              <a:effectLst/>
-            </c:spPr>
-            <c:extLst xmlns:c16r2="http://schemas.microsoft.com/office/drawing/2015/06/chart">
-              <c:ext xmlns:c16="http://schemas.microsoft.com/office/drawing/2014/chart" uri="{C3380CC4-5D6E-409C-BE32-E72D297353CC}">
-                <c16:uniqueId val="{00000001-4CA2-4FE6-9FE2-0BB71454523D}"/>
-              </c:ext>
-            </c:extLst>
-          </c:dPt>
-          <c:cat>
-            <c:strRef>
-              <c:f>Sheet1!$A$2:$A$8</c:f>
-              <c:strCache>
-                <c:ptCount val="7"/>
-                <c:pt idx="0">
-                  <c:v>Январь</c:v>
-                </c:pt>
-                <c:pt idx="1">
-                  <c:v>Февраль</c:v>
-                </c:pt>
-                <c:pt idx="2">
-                  <c:v>Март</c:v>
-                </c:pt>
-                <c:pt idx="3">
-                  <c:v>Апрель</c:v>
-                </c:pt>
-                <c:pt idx="4">
-                  <c:v>Май</c:v>
-                </c:pt>
-                <c:pt idx="5">
-                  <c:v>Июнь</c:v>
-                </c:pt>
-                <c:pt idx="6">
-                  <c:v>Июль</c:v>
-                </c:pt>
-              </c:strCache>
-            </c:strRef>
-          </c:cat>
-          <c:val>
-            <c:numRef>
-              <c:f>Sheet1!$B$2:$B$8</c:f>
-              <c:numCache>
-                <c:formatCode>General</c:formatCode>
-                <c:ptCount val="7"/>
-                <c:pt idx="0">
-                  <c:v>4300</c:v>
-                </c:pt>
-                <c:pt idx="1">
-                  <c:v>3700</c:v>
-                </c:pt>
-                <c:pt idx="2">
-                  <c:v>5050</c:v>
-                </c:pt>
-                <c:pt idx="3">
-                  <c:v>3500</c:v>
-                </c:pt>
-                <c:pt idx="4">
-                  <c:v>4500</c:v>
-                </c:pt>
-                <c:pt idx="5">
-                  <c:v>6700</c:v>
-                </c:pt>
-                <c:pt idx="6">
-                  <c:v>3600</c:v>
-                </c:pt>
-              </c:numCache>
-            </c:numRef>
-          </c:val>
-          <c:smooth val="0"/>
-          <c:extLst xmlns:c16r2="http://schemas.microsoft.com/office/drawing/2015/06/chart">
-            <c:ext xmlns:c16="http://schemas.microsoft.com/office/drawing/2014/chart" uri="{C3380CC4-5D6E-409C-BE32-E72D297353CC}">
-              <c16:uniqueId val="{00000000-B630-40E4-B14F-5009ED1F4CA1}"/>
-            </c:ext>
-          </c:extLst>
-        </c:ser>
-        <c:ser>
-          <c:idx val="1"/>
-          <c:order val="1"/>
-          <c:tx>
-            <c:strRef>
-              <c:f>Sheet1!$C$1</c:f>
-              <c:strCache>
-                <c:ptCount val="1"/>
-                <c:pt idx="0">
-                  <c:v>Тест 2</c:v>
-                </c:pt>
-              </c:strCache>
-            </c:strRef>
-          </c:tx>
-          <c:spPr>
-            <a:ln w="28575" cap="rnd" cmpd="sng" algn="ctr">
-              <a:solidFill>
-                <a:schemeClr val="accent2">
-                  <a:shade val="95000"/>
-                  <a:satMod val="105000"/>
-                </a:schemeClr>
-              </a:solidFill>
-              <a:prstDash val="solid"/>
-              <a:round/>
-            </a:ln>
-            <a:effectLst/>
-          </c:spPr>
-          <c:marker>
-            <c:symbol val="circle"/>
-            <c:size val="5"/>
-            <c:spPr>
-              <a:solidFill>
-                <a:schemeClr val="accent2"/>
-              </a:solidFill>
-              <a:ln w="9525" cap="flat" cmpd="sng" algn="ctr">
-                <a:solidFill>
-                  <a:schemeClr val="accent2">
-                    <a:shade val="95000"/>
-                    <a:satMod val="105000"/>
-                  </a:schemeClr>
-                </a:solidFill>
-                <a:prstDash val="solid"/>
-                <a:round/>
-              </a:ln>
-              <a:effectLst/>
-            </c:spPr>
-          </c:marker>
-          <c:cat>
-            <c:strRef>
-              <c:f>Sheet1!$A$2:$A$8</c:f>
-              <c:strCache>
-                <c:ptCount val="7"/>
-                <c:pt idx="0">
-                  <c:v>Январь</c:v>
-                </c:pt>
-                <c:pt idx="1">
-                  <c:v>Февраль</c:v>
-                </c:pt>
-                <c:pt idx="2">
-                  <c:v>Март</c:v>
-                </c:pt>
-                <c:pt idx="3">
-                  <c:v>Апрель</c:v>
-                </c:pt>
-                <c:pt idx="4">
-                  <c:v>Май</c:v>
-                </c:pt>
-                <c:pt idx="5">
-                  <c:v>Июнь</c:v>
-                </c:pt>
-                <c:pt idx="6">
-                  <c:v>Июль</c:v>
-                </c:pt>
-              </c:strCache>
-            </c:strRef>
-          </c:cat>
-          <c:val>
-            <c:numRef>
-              <c:f>Sheet1!$C$2:$C$8</c:f>
-              <c:numCache>
-                <c:formatCode>General</c:formatCode>
-                <c:ptCount val="7"/>
-                <c:pt idx="0">
-                  <c:v>5500</c:v>
-                </c:pt>
-                <c:pt idx="1">
-                  <c:v>8200</c:v>
-                </c:pt>
-                <c:pt idx="2">
-                  <c:v>6700</c:v>
-                </c:pt>
-                <c:pt idx="3">
-                  <c:v>7800</c:v>
-                </c:pt>
-                <c:pt idx="4">
-                  <c:v>5500</c:v>
-                </c:pt>
-                <c:pt idx="5">
-                  <c:v>9000</c:v>
-                </c:pt>
-                <c:pt idx="6">
-                  <c:v>9500</c:v>
-                </c:pt>
-              </c:numCache>
-            </c:numRef>
-          </c:val>
-          <c:smooth val="0"/>
-          <c:extLst xmlns:c16r2="http://schemas.microsoft.com/office/drawing/2015/06/chart">
-            <c:ext xmlns:c16="http://schemas.microsoft.com/office/drawing/2014/chart" uri="{C3380CC4-5D6E-409C-BE32-E72D297353CC}">
-              <c16:uniqueId val="{00000001-B630-40E4-B14F-5009ED1F4CA1}"/>
-            </c:ext>
-          </c:extLst>
-        </c:ser>
-        <c:ser>
-          <c:idx val="2"/>
-          <c:order val="2"/>
-          <c:tx>
-            <c:strRef>
-              <c:f>Sheet1!$D$1</c:f>
-              <c:strCache>
-                <c:ptCount val="1"/>
-                <c:pt idx="0">
-                  <c:v>Series 3</c:v>
-                </c:pt>
-              </c:strCache>
-            </c:strRef>
-          </c:tx>
-          <c:spPr>
-            <a:ln w="28575" cap="rnd" cmpd="sng" algn="ctr">
-              <a:solidFill>
-                <a:srgbClr val="F1BE29"/>
-              </a:solidFill>
-              <a:prstDash val="solid"/>
-              <a:round/>
-            </a:ln>
-            <a:effectLst/>
-          </c:spPr>
-          <c:marker>
-            <c:spPr>
-              <a:solidFill>
-                <a:srgbClr val="F1BE29"/>
-              </a:solidFill>
-              <a:ln w="9525" cap="flat" cmpd="sng" algn="ctr">
-                <a:solidFill>
-                  <a:srgbClr val="F1BE29"/>
-                </a:solidFill>
-                <a:prstDash val="solid"/>
-                <a:round/>
-              </a:ln>
-              <a:effectLst/>
-            </c:spPr>
-          </c:marker>
-          <c:cat>
-            <c:strRef>
-              <c:f>Sheet1!$A$2:$A$8</c:f>
-              <c:strCache>
-                <c:ptCount val="7"/>
-                <c:pt idx="0">
-                  <c:v>Январь</c:v>
-                </c:pt>
-                <c:pt idx="1">
-                  <c:v>Февраль</c:v>
-                </c:pt>
-                <c:pt idx="2">
-                  <c:v>Март</c:v>
-                </c:pt>
-                <c:pt idx="3">
-                  <c:v>Апрель</c:v>
-                </c:pt>
-                <c:pt idx="4">
-                  <c:v>Май</c:v>
-                </c:pt>
-                <c:pt idx="5">
-                  <c:v>Июнь</c:v>
-                </c:pt>
-                <c:pt idx="6">
-                  <c:v>Июль</c:v>
-                </c:pt>
-              </c:strCache>
-            </c:strRef>
-          </c:cat>
-          <c:val>
-            <c:numRef>
-              <c:f>Sheet1!$D$2:$D$8</c:f>
-              <c:numCache>
-                <c:formatCode>General</c:formatCode>
-                <c:ptCount val="7"/>
-                <c:pt idx="0">
-                  <c:v>2300</c:v>
-                </c:pt>
-                <c:pt idx="1">
-                  <c:v>3500</c:v>
-                </c:pt>
-                <c:pt idx="2">
-                  <c:v>3007</c:v>
-                </c:pt>
-                <c:pt idx="3">
-                  <c:v>5200</c:v>
-                </c:pt>
-                <c:pt idx="4">
-                  <c:v>3400</c:v>
-                </c:pt>
-                <c:pt idx="5">
-                  <c:v>3500</c:v>
-                </c:pt>
-                <c:pt idx="6">
-                  <c:v>6400</c:v>
-                </c:pt>
-              </c:numCache>
-            </c:numRef>
-          </c:val>
-          <c:smooth val="0"/>
-          <c:extLst xmlns:c16r2="http://schemas.microsoft.com/office/drawing/2015/06/chart">
-            <c:ext xmlns:c16="http://schemas.microsoft.com/office/drawing/2014/chart" uri="{C3380CC4-5D6E-409C-BE32-E72D297353CC}">
-              <c16:uniqueId val="{00000002-4CA2-4FE6-9FE2-0BB71454523D}"/>
-            </c:ext>
-          </c:extLst>
-        </c:ser>
-        <c:dLbls>
-          <c:showLegendKey val="0"/>
-          <c:showVal val="0"/>
-          <c:showCatName val="0"/>
-          <c:showSerName val="0"/>
-          <c:showPercent val="0"/>
-          <c:showBubbleSize val="0"/>
-        </c:dLbls>
-        <c:marker val="1"/>
-        <c:smooth val="0"/>
-        <c:axId val="42946944"/>
-        <c:axId val="42949248"/>
-      </c:lineChart>
-      <c:catAx>
-        <c:axId val="42946944"/>
-        <c:scaling>
-          <c:orientation val="minMax"/>
-        </c:scaling>
-        <c:delete val="0"/>
-        <c:axPos val="b"/>
-        <c:title>
-          <c:layout/>
-          <c:overlay val="0"/>
-          <c:spPr>
-            <a:noFill/>
-            <a:ln>
-              <a:noFill/>
-            </a:ln>
-            <a:effectLst/>
-          </c:spPr>
-          <c:txPr>
-            <a:bodyPr rot="0" spcFirstLastPara="1" vertOverflow="ellipsis" vert="horz" wrap="square" anchor="ctr" anchorCtr="1"/>
-            <a:lstStyle/>
-            <a:p>
-              <a:pPr>
-                <a:defRPr sz="1200" b="0" i="0" u="none" strike="noStrike" kern="1200" baseline="0">
-                  <a:solidFill>
-                    <a:schemeClr val="tx1"/>
-                  </a:solidFill>
-                  <a:latin typeface="+mn-lt"/>
-                  <a:ea typeface="+mn-ea"/>
-                  <a:cs typeface="+mn-cs"/>
-                </a:defRPr>
-              </a:pPr>
-              <a:endParaRPr lang="ru-RU"/>
-            </a:p>
-          </c:txPr>
-        </c:title>
-        <c:numFmt formatCode="General" sourceLinked="0"/>
-        <c:majorTickMark val="out"/>
-        <c:minorTickMark val="none"/>
-        <c:tickLblPos val="nextTo"/>
-        <c:spPr>
-          <a:noFill/>
-          <a:ln w="9525" cap="flat" cmpd="sng" algn="ctr">
-            <a:solidFill>
-              <a:schemeClr val="tx1">
-                <a:tint val="75000"/>
-                <a:shade val="95000"/>
-                <a:satMod val="105000"/>
-              </a:schemeClr>
-            </a:solidFill>
-            <a:prstDash val="solid"/>
-            <a:round/>
-          </a:ln>
-          <a:effectLst/>
-        </c:spPr>
-        <c:txPr>
-          <a:bodyPr rot="-60000000" spcFirstLastPara="1" vertOverflow="ellipsis" vert="horz" wrap="square" anchor="ctr" anchorCtr="1"/>
-          <a:lstStyle/>
-          <a:p>
-            <a:pPr>
-              <a:defRPr sz="1000" b="0" i="0" u="none" strike="noStrike" kern="1200" baseline="0">
-                <a:solidFill>
-                  <a:schemeClr val="tx1">
-                    <a:lumMod val="75000"/>
-                    <a:lumOff val="25000"/>
-                  </a:schemeClr>
-                </a:solidFill>
-                <a:latin typeface="+mn-lt"/>
-                <a:ea typeface="+mn-ea"/>
-                <a:cs typeface="+mn-cs"/>
-              </a:defRPr>
-            </a:pPr>
-            <a:endParaRPr lang="ru-RU"/>
-          </a:p>
-        </c:txPr>
-        <c:crossAx val="42949248"/>
-        <c:crosses val="autoZero"/>
-        <c:auto val="1"/>
-        <c:lblAlgn val="ctr"/>
-        <c:lblOffset val="100"/>
-        <c:noMultiLvlLbl val="0"/>
-      </c:catAx>
-      <c:valAx>
-        <c:axId val="42949248"/>
-        <c:scaling>
-          <c:orientation val="minMax"/>
-        </c:scaling>
-        <c:delete val="0"/>
-        <c:axPos val="l"/>
-        <c:majorGridlines>
-          <c:spPr>
-            <a:ln w="9525" cap="flat" cmpd="sng" algn="ctr">
-              <a:solidFill>
-                <a:schemeClr val="bg1">
-                  <a:lumMod val="85000"/>
-                </a:schemeClr>
-              </a:solidFill>
-              <a:prstDash val="dash"/>
-              <a:round/>
-            </a:ln>
-            <a:effectLst/>
-          </c:spPr>
-        </c:majorGridlines>
-        <c:title>
-          <c:tx>
-            <c:rich>
-              <a:bodyPr rot="-5400000" spcFirstLastPara="1" vertOverflow="ellipsis" vert="horz" wrap="square" anchor="ctr" anchorCtr="1"/>
-              <a:lstStyle/>
-              <a:p>
-                <a:pPr>
-                  <a:defRPr sz="1200" b="0" i="0" u="none" strike="noStrike" kern="1200" baseline="0">
-                    <a:solidFill>
-                      <a:schemeClr val="tx1"/>
-                    </a:solidFill>
-                    <a:latin typeface="+mn-lt"/>
-                    <a:ea typeface="+mn-ea"/>
-                    <a:cs typeface="+mn-cs"/>
-                  </a:defRPr>
-                </a:pPr>
-                <a:r>
-                  <a:rPr lang="ru-RU" sz="1200" b="0" dirty="0"/>
-                  <a:t>Название оси</a:t>
-                </a:r>
-              </a:p>
-            </c:rich>
-          </c:tx>
-          <c:layout/>
-          <c:overlay val="0"/>
-          <c:spPr>
-            <a:noFill/>
-            <a:ln>
-              <a:noFill/>
-            </a:ln>
-            <a:effectLst/>
-          </c:spPr>
-        </c:title>
-        <c:numFmt formatCode="General" sourceLinked="1"/>
-        <c:majorTickMark val="out"/>
-        <c:minorTickMark val="none"/>
-        <c:tickLblPos val="nextTo"/>
-        <c:spPr>
-          <a:noFill/>
-          <a:ln w="9525" cap="flat" cmpd="sng" algn="ctr">
-            <a:solidFill>
-              <a:schemeClr val="tx1">
-                <a:tint val="75000"/>
-                <a:shade val="95000"/>
-                <a:satMod val="105000"/>
-              </a:schemeClr>
-            </a:solidFill>
-            <a:prstDash val="solid"/>
-            <a:round/>
-          </a:ln>
-          <a:effectLst/>
-        </c:spPr>
-        <c:txPr>
-          <a:bodyPr rot="-60000000" spcFirstLastPara="1" vertOverflow="ellipsis" vert="horz" wrap="square" anchor="ctr" anchorCtr="1"/>
-          <a:lstStyle/>
-          <a:p>
-            <a:pPr>
-              <a:defRPr sz="900" b="0" i="0" u="none" strike="noStrike" kern="1200" baseline="0">
-                <a:solidFill>
-                  <a:schemeClr val="tx1">
-                    <a:lumMod val="75000"/>
-                    <a:lumOff val="25000"/>
-                  </a:schemeClr>
-                </a:solidFill>
-                <a:latin typeface="+mn-lt"/>
-                <a:ea typeface="+mn-ea"/>
-                <a:cs typeface="+mn-cs"/>
-              </a:defRPr>
-            </a:pPr>
-            <a:endParaRPr lang="ru-RU"/>
-          </a:p>
-        </c:txPr>
-        <c:crossAx val="42946944"/>
-        <c:crosses val="autoZero"/>
-        <c:crossBetween val="between"/>
-      </c:valAx>
-      <c:spPr>
-        <a:noFill/>
-        <a:ln>
-          <a:noFill/>
-        </a:ln>
-        <a:effectLst/>
-      </c:spPr>
-    </c:plotArea>
-    <c:plotVisOnly val="1"/>
-    <c:dispBlanksAs val="gap"/>
-    <c:showDLblsOverMax val="0"/>
-  </c:chart>
-  <c:spPr>
-    <a:noFill/>
-    <a:ln w="9525" cap="flat" cmpd="sng" algn="ctr">
-      <a:noFill/>
-      <a:prstDash val="solid"/>
-    </a:ln>
-    <a:effectLst/>
-  </c:spPr>
-  <c:txPr>
-    <a:bodyPr/>
-    <a:lstStyle/>
-    <a:p>
-      <a:pPr>
-        <a:defRPr sz="1800"/>
-      </a:pPr>
-      <a:endParaRPr lang="ru-RU"/>
-    </a:p>
-  </c:txPr>
-  <c:externalData r:id="rId1">
-    <c:autoUpdate val="0"/>
-  </c:externalData>
-</c:chartSpace>
-</file>
-
-<file path=ppt/charts/colors1.xml><?xml version="1.0" encoding="utf-8"?>
-<cs:colorStyle xmlns:cs="http://schemas.microsoft.com/office/drawing/2012/chartStyle" xmlns:a="http://schemas.openxmlformats.org/drawingml/2006/main" meth="cycle" id="10">
-  <a:schemeClr val="accent1"/>
-  <a:schemeClr val="accent2"/>
-  <a:schemeClr val="accent3"/>
-  <a:schemeClr val="accent4"/>
-  <a:schemeClr val="accent5"/>
-  <a:schemeClr val="accent6"/>
-  <cs:variation/>
-  <cs:variation>
-    <a:lumMod val="60000"/>
-  </cs:variation>
-  <cs:variation>
-    <a:lumMod val="80000"/>
-    <a:lumOff val="20000"/>
-  </cs:variation>
-  <cs:variation>
-    <a:lumMod val="80000"/>
-  </cs:variation>
-  <cs:variation>
-    <a:lumMod val="60000"/>
-    <a:lumOff val="40000"/>
-  </cs:variation>
-  <cs:variation>
-    <a:lumMod val="50000"/>
-  </cs:variation>
-  <cs:variation>
-    <a:lumMod val="70000"/>
-    <a:lumOff val="30000"/>
-  </cs:variation>
-  <cs:variation>
-    <a:lumMod val="70000"/>
-  </cs:variation>
-  <cs:variation>
-    <a:lumMod val="50000"/>
-    <a:lumOff val="50000"/>
-  </cs:variation>
-</cs:colorStyle>
-</file>
-
-<file path=ppt/charts/style1.xml><?xml version="1.0" encoding="utf-8"?>
-<cs:chartStyle xmlns:cs="http://schemas.microsoft.com/office/drawing/2012/chartStyle" xmlns:a="http://schemas.openxmlformats.org/drawingml/2006/main" id="102">
-  <cs:axisTitle>
-    <cs:lnRef idx="0"/>
-    <cs:fillRef idx="0"/>
-    <cs:effectRef idx="0"/>
-    <cs:fontRef idx="minor">
-      <a:schemeClr val="tx1"/>
-    </cs:fontRef>
-    <cs:defRPr sz="1000" b="1" kern="1200"/>
-  </cs:axisTitle>
-  <cs:categoryAxis>
-    <cs:lnRef idx="1">
-      <a:schemeClr val="tx1">
-        <a:tint val="75000"/>
-      </a:schemeClr>
-    </cs:lnRef>
-    <cs:fillRef idx="0"/>
-    <cs:effectRef idx="0"/>
-    <cs:fontRef idx="minor">
-      <a:schemeClr val="tx1"/>
-    </cs:fontRef>
-    <cs:spPr>
-      <a:ln>
-        <a:round/>
-      </a:ln>
-    </cs:spPr>
-    <cs:defRPr sz="1000" kern="1200"/>
-  </cs:categoryAxis>
-  <cs:chartArea mods="allowNoFillOverride allowNoLineOverride">
-    <cs:lnRef idx="1">
-      <a:schemeClr val="tx1">
-        <a:tint val="75000"/>
-      </a:schemeClr>
-    </cs:lnRef>
-    <cs:fillRef idx="1">
-      <a:schemeClr val="bg1"/>
-    </cs:fillRef>
-    <cs:effectRef idx="0"/>
-    <cs:fontRef idx="minor">
-      <a:schemeClr val="tx1"/>
-    </cs:fontRef>
-    <cs:spPr>
-      <a:ln>
-        <a:round/>
-      </a:ln>
-    </cs:spPr>
-    <cs:defRPr sz="1000" kern="1200"/>
-  </cs:chartArea>
-  <cs:dataLabel>
-    <cs:lnRef idx="0"/>
-    <cs:fillRef idx="0"/>
-    <cs:effectRef idx="0"/>
-    <cs:fontRef idx="minor">
-      <a:schemeClr val="tx1"/>
-    </cs:fontRef>
-    <cs:defRPr sz="1000" kern="1200"/>
-  </cs:dataLabel>
-  <cs:dataLabelCallout>
-    <cs:lnRef idx="0"/>
-    <cs:fillRef idx="0"/>
-    <cs:effectRef idx="0"/>
-    <cs:fontRef idx="minor">
-      <a:schemeClr val="dk1"/>
-    </cs:fontRef>
-    <cs:spPr>
-      <a:solidFill>
-        <a:schemeClr val="lt1"/>
-      </a:solidFill>
-      <a:ln>
-        <a:solidFill>
-          <a:schemeClr val="dk1">
-            <a:lumMod val="65000"/>
-            <a:lumOff val="35000"/>
-          </a:schemeClr>
-        </a:solidFill>
-      </a:ln>
-    </cs:spPr>
-    <cs:defRPr sz="1000" kern="1200"/>
-  </cs:dataLabelCallout>
-  <cs:dataPoint>
-    <cs:lnRef idx="0"/>
-    <cs:fillRef idx="1">
-      <cs:styleClr val="auto"/>
-    </cs:fillRef>
-    <cs:effectRef idx="0"/>
-    <cs:fontRef idx="minor">
-      <a:schemeClr val="tx1"/>
-    </cs:fontRef>
-  </cs:dataPoint>
-  <cs:dataPoint3D>
-    <cs:lnRef idx="0"/>
-    <cs:fillRef idx="1">
-      <cs:styleClr val="auto"/>
-    </cs:fillRef>
-    <cs:effectRef idx="0"/>
-    <cs:fontRef idx="minor">
-      <a:schemeClr val="tx1"/>
-    </cs:fontRef>
-  </cs:dataPoint3D>
-  <cs:dataPointLine>
-    <cs:lnRef idx="1">
-      <cs:styleClr val="auto"/>
-    </cs:lnRef>
-    <cs:lineWidthScale>3</cs:lineWidthScale>
-    <cs:fillRef idx="0"/>
-    <cs:effectRef idx="0"/>
-    <cs:fontRef idx="minor">
-      <a:schemeClr val="tx1"/>
-    </cs:fontRef>
-    <cs:spPr>
-      <a:ln cap="rnd">
-        <a:round/>
-      </a:ln>
-    </cs:spPr>
-  </cs:dataPointLine>
-  <cs:dataPointMarker>
-    <cs:lnRef idx="1">
-      <cs:styleClr val="auto"/>
-    </cs:lnRef>
-    <cs:fillRef idx="1">
-      <cs:styleClr val="auto"/>
-    </cs:fillRef>
-    <cs:effectRef idx="0"/>
-    <cs:fontRef idx="minor">
-      <a:schemeClr val="tx1"/>
-    </cs:fontRef>
-    <cs:spPr>
-      <a:ln>
-        <a:round/>
-      </a:ln>
-    </cs:spPr>
-  </cs:dataPointMarker>
-  <cs:dataPointMarkerLayout/>
-  <cs:dataPointWireframe>
-    <cs:lnRef idx="1">
-      <cs:styleClr val="auto"/>
-    </cs:lnRef>
-    <cs:fillRef idx="0"/>
-    <cs:effectRef idx="0"/>
-    <cs:fontRef idx="minor">
-      <a:schemeClr val="tx1"/>
-    </cs:fontRef>
-    <cs:spPr>
-      <a:ln>
-        <a:round/>
-      </a:ln>
-    </cs:spPr>
-  </cs:dataPointWireframe>
-  <cs:dataTable>
-    <cs:lnRef idx="1">
-      <a:schemeClr val="tx1">
-        <a:tint val="75000"/>
-      </a:schemeClr>
-    </cs:lnRef>
-    <cs:fillRef idx="0"/>
-    <cs:effectRef idx="0"/>
-    <cs:fontRef idx="minor">
-      <a:schemeClr val="tx1"/>
-    </cs:fontRef>
-    <cs:spPr>
-      <a:ln>
-        <a:round/>
-      </a:ln>
-    </cs:spPr>
-    <cs:defRPr sz="1000" kern="1200"/>
-  </cs:dataTable>
-  <cs:downBar>
-    <cs:lnRef idx="1">
-      <a:schemeClr val="tx1"/>
-    </cs:lnRef>
-    <cs:fillRef idx="1">
-      <a:schemeClr val="dk1">
-        <a:tint val="95000"/>
-      </a:schemeClr>
-    </cs:fillRef>
-    <cs:effectRef idx="0"/>
-    <cs:fontRef idx="minor">
-      <a:schemeClr val="tx1"/>
-    </cs:fontRef>
-    <cs:spPr>
-      <a:ln>
-        <a:round/>
-      </a:ln>
-    </cs:spPr>
-  </cs:downBar>
-  <cs:dropLine>
-    <cs:lnRef idx="1">
-      <a:schemeClr val="tx1"/>
-    </cs:lnRef>
-    <cs:fillRef idx="0"/>
-    <cs:effectRef idx="0"/>
-    <cs:fontRef idx="minor">
-      <a:schemeClr val="tx1"/>
-    </cs:fontRef>
-    <cs:spPr>
-      <a:ln>
-        <a:round/>
-      </a:ln>
-    </cs:spPr>
-  </cs:dropLine>
-  <cs:errorBar>
-    <cs:lnRef idx="1">
-      <a:schemeClr val="tx1"/>
-    </cs:lnRef>
-    <cs:fillRef idx="1">
-      <a:schemeClr val="tx1"/>
-    </cs:fillRef>
-    <cs:effectRef idx="0"/>
-    <cs:fontRef idx="minor">
-      <a:schemeClr val="tx1"/>
-    </cs:fontRef>
-    <cs:spPr>
-      <a:ln>
-        <a:round/>
-      </a:ln>
-    </cs:spPr>
-  </cs:errorBar>
-  <cs:floor>
-    <cs:lnRef idx="1">
-      <a:schemeClr val="tx1">
-        <a:tint val="75000"/>
-      </a:schemeClr>
-    </cs:lnRef>
-    <cs:fillRef idx="0"/>
-    <cs:effectRef idx="0"/>
-    <cs:fontRef idx="minor">
-      <a:schemeClr val="tx1"/>
-    </cs:fontRef>
-    <cs:spPr>
-      <a:ln>
-        <a:round/>
-      </a:ln>
-    </cs:spPr>
-  </cs:floor>
-  <cs:gridlineMajor>
-    <cs:lnRef idx="1">
-      <a:schemeClr val="tx1">
-        <a:tint val="75000"/>
-      </a:schemeClr>
-    </cs:lnRef>
-    <cs:fillRef idx="0"/>
-    <cs:effectRef idx="0"/>
-    <cs:fontRef idx="minor">
-      <a:schemeClr val="tx1"/>
-    </cs:fontRef>
-    <cs:spPr>
-      <a:ln>
-        <a:round/>
-      </a:ln>
-    </cs:spPr>
-  </cs:gridlineMajor>
-  <cs:gridlineMinor>
-    <cs:lnRef idx="1">
-      <a:schemeClr val="tx1">
-        <a:tint val="50000"/>
-      </a:schemeClr>
-    </cs:lnRef>
-    <cs:fillRef idx="0"/>
-    <cs:effectRef idx="0"/>
-    <cs:fontRef idx="minor">
-      <a:schemeClr val="tx1"/>
-    </cs:fontRef>
-    <cs:spPr>
-      <a:ln>
-        <a:round/>
-      </a:ln>
-    </cs:spPr>
-  </cs:gridlineMinor>
-  <cs:hiLoLine>
-    <cs:lnRef idx="1">
-      <a:schemeClr val="tx1"/>
-    </cs:lnRef>
-    <cs:fillRef idx="0"/>
-    <cs:effectRef idx="0"/>
-    <cs:fontRef idx="minor">
-      <a:schemeClr val="tx1"/>
-    </cs:fontRef>
-    <cs:spPr>
-      <a:ln>
-        <a:round/>
-      </a:ln>
-    </cs:spPr>
-  </cs:hiLoLine>
-  <cs:leaderLine>
-    <cs:lnRef idx="1">
-      <a:schemeClr val="tx1"/>
-    </cs:lnRef>
-    <cs:fillRef idx="0"/>
-    <cs:effectRef idx="0"/>
-    <cs:fontRef idx="minor">
-      <a:schemeClr val="tx1"/>
-    </cs:fontRef>
-    <cs:spPr>
-      <a:ln>
-        <a:round/>
-      </a:ln>
-    </cs:spPr>
-  </cs:leaderLine>
-  <cs:legend>
-    <cs:lnRef idx="0"/>
-    <cs:fillRef idx="0"/>
-    <cs:effectRef idx="0"/>
-    <cs:fontRef idx="minor">
-      <a:schemeClr val="tx1"/>
-    </cs:fontRef>
-    <cs:defRPr sz="1000" kern="1200"/>
-  </cs:legend>
-  <cs:plotArea mods="allowNoFillOverride allowNoLineOverride">
-    <cs:lnRef idx="0"/>
-    <cs:fillRef idx="1">
-      <a:schemeClr val="bg1"/>
-    </cs:fillRef>
-    <cs:effectRef idx="0"/>
-    <cs:fontRef idx="minor">
-      <a:schemeClr val="tx1"/>
-    </cs:fontRef>
-  </cs:plotArea>
-  <cs:plotArea3D>
-    <cs:lnRef idx="0"/>
-    <cs:fillRef idx="0"/>
-    <cs:effectRef idx="0"/>
-    <cs:fontRef idx="minor">
-      <a:schemeClr val="tx1"/>
-    </cs:fontRef>
-  </cs:plotArea3D>
-  <cs:seriesAxis>
-    <cs:lnRef idx="1">
-      <a:schemeClr val="tx1">
-        <a:tint val="75000"/>
-      </a:schemeClr>
-    </cs:lnRef>
-    <cs:fillRef idx="0"/>
-    <cs:effectRef idx="0"/>
-    <cs:fontRef idx="minor">
-      <a:schemeClr val="tx1"/>
-    </cs:fontRef>
-    <cs:spPr>
-      <a:ln>
-        <a:round/>
-      </a:ln>
-    </cs:spPr>
-    <cs:defRPr sz="1000" kern="1200"/>
-  </cs:seriesAxis>
-  <cs:seriesLine>
-    <cs:lnRef idx="1">
-      <a:schemeClr val="tx1"/>
-    </cs:lnRef>
-    <cs:fillRef idx="0"/>
-    <cs:effectRef idx="0"/>
-    <cs:fontRef idx="minor">
-      <a:schemeClr val="tx1"/>
-    </cs:fontRef>
-    <cs:spPr>
-      <a:ln>
-        <a:round/>
-      </a:ln>
-    </cs:spPr>
-  </cs:seriesLine>
-  <cs:title>
-    <cs:lnRef idx="0"/>
-    <cs:fillRef idx="0"/>
-    <cs:effectRef idx="0"/>
-    <cs:fontRef idx="minor">
-      <a:schemeClr val="tx1"/>
-    </cs:fontRef>
-    <cs:defRPr sz="1800" b="1" kern="1200"/>
-  </cs:title>
-  <cs:trendline>
-    <cs:lnRef idx="1">
-      <a:schemeClr val="tx1"/>
-    </cs:lnRef>
-    <cs:fillRef idx="0"/>
-    <cs:effectRef idx="0"/>
-    <cs:fontRef idx="minor">
-      <a:schemeClr val="tx1"/>
-    </cs:fontRef>
-    <cs:spPr>
-      <a:ln cap="rnd">
-        <a:round/>
-      </a:ln>
-    </cs:spPr>
-  </cs:trendline>
-  <cs:trendlineLabel>
-    <cs:lnRef idx="0"/>
-    <cs:fillRef idx="0"/>
-    <cs:effectRef idx="0"/>
-    <cs:fontRef idx="minor">
-      <a:schemeClr val="tx1"/>
-    </cs:fontRef>
-    <cs:defRPr sz="1000" kern="1200"/>
-  </cs:trendlineLabel>
-  <cs:upBar>
-    <cs:lnRef idx="1">
-      <a:schemeClr val="tx1"/>
-    </cs:lnRef>
-    <cs:fillRef idx="1">
-      <a:schemeClr val="dk1">
-        <a:tint val="5000"/>
-      </a:schemeClr>
-    </cs:fillRef>
-    <cs:effectRef idx="0"/>
-    <cs:fontRef idx="minor">
-      <a:schemeClr val="tx1"/>
-    </cs:fontRef>
-    <cs:spPr>
-      <a:ln>
-        <a:round/>
-      </a:ln>
-    </cs:spPr>
-  </cs:upBar>
-  <cs:valueAxis>
-    <cs:lnRef idx="1">
-      <a:schemeClr val="tx1">
-        <a:tint val="75000"/>
-      </a:schemeClr>
-    </cs:lnRef>
-    <cs:fillRef idx="0"/>
-    <cs:effectRef idx="0"/>
-    <cs:fontRef idx="minor">
-      <a:schemeClr val="tx1"/>
-    </cs:fontRef>
-    <cs:spPr>
-      <a:ln>
-        <a:round/>
-      </a:ln>
-    </cs:spPr>
-    <cs:defRPr sz="1000" kern="1200"/>
-  </cs:valueAxis>
-  <cs:wall>
-    <cs:lnRef idx="0"/>
-    <cs:fillRef idx="0"/>
-    <cs:effectRef idx="0"/>
-    <cs:fontRef idx="minor">
-      <a:schemeClr val="tx1"/>
-    </cs:fontRef>
-  </cs:wall>
-</cs:chartStyle>
 </file>
 
 <file path=ppt/notesMasters/notesMaster1.xml><?xml version="1.0" encoding="utf-8"?>
@@ -2062,7 +982,7 @@
           <p:cNvPr id="6" name="Google Shape;88;p1">
             <a:extLst>
               <a:ext uri="{FF2B5EF4-FFF2-40B4-BE49-F238E27FC236}">
-                <a16:creationId xmlns:a16="http://schemas.microsoft.com/office/drawing/2014/main" xmlns="" id="{2D925FD8-DECC-4CD6-B8C0-B1ADCC5FA20A}"/>
+                <a16:creationId xmlns="" xmlns:a16="http://schemas.microsoft.com/office/drawing/2014/main" id="{2D925FD8-DECC-4CD6-B8C0-B1ADCC5FA20A}"/>
               </a:ext>
             </a:extLst>
           </p:cNvPr>
@@ -2095,7 +1015,7 @@
           <p:cNvPr id="7" name="Группа 6">
             <a:extLst>
               <a:ext uri="{FF2B5EF4-FFF2-40B4-BE49-F238E27FC236}">
-                <a16:creationId xmlns:a16="http://schemas.microsoft.com/office/drawing/2014/main" xmlns="" id="{B0283559-7C69-4037-A5DE-025458FA127C}"/>
+                <a16:creationId xmlns="" xmlns:a16="http://schemas.microsoft.com/office/drawing/2014/main" id="{B0283559-7C69-4037-A5DE-025458FA127C}"/>
               </a:ext>
             </a:extLst>
           </p:cNvPr>
@@ -2115,7 +1035,7 @@
             <p:cNvPr id="9" name="Google Shape;13;p5">
               <a:extLst>
                 <a:ext uri="{FF2B5EF4-FFF2-40B4-BE49-F238E27FC236}">
-                  <a16:creationId xmlns:a16="http://schemas.microsoft.com/office/drawing/2014/main" xmlns="" id="{2F2230A9-DF50-482B-98EE-86D3A472B57F}"/>
+                  <a16:creationId xmlns="" xmlns:a16="http://schemas.microsoft.com/office/drawing/2014/main" id="{2F2230A9-DF50-482B-98EE-86D3A472B57F}"/>
                 </a:ext>
               </a:extLst>
             </p:cNvPr>
@@ -2148,7 +1068,7 @@
             <p:cNvPr id="10" name="Прямоугольник 9">
               <a:extLst>
                 <a:ext uri="{FF2B5EF4-FFF2-40B4-BE49-F238E27FC236}">
-                  <a16:creationId xmlns:a16="http://schemas.microsoft.com/office/drawing/2014/main" xmlns="" id="{8967D30A-87B4-4421-A52A-46DC79DD78AC}"/>
+                  <a16:creationId xmlns="" xmlns:a16="http://schemas.microsoft.com/office/drawing/2014/main" id="{8967D30A-87B4-4421-A52A-46DC79DD78AC}"/>
                 </a:ext>
               </a:extLst>
             </p:cNvPr>
@@ -2201,7 +1121,7 @@
           <p:cNvPr id="3" name="Рисунок 2">
             <a:extLst>
               <a:ext uri="{FF2B5EF4-FFF2-40B4-BE49-F238E27FC236}">
-                <a16:creationId xmlns:a16="http://schemas.microsoft.com/office/drawing/2014/main" xmlns="" id="{D20BDE73-1EE8-4C18-91ED-1CD26511FE5F}"/>
+                <a16:creationId xmlns="" xmlns:a16="http://schemas.microsoft.com/office/drawing/2014/main" id="{D20BDE73-1EE8-4C18-91ED-1CD26511FE5F}"/>
               </a:ext>
             </a:extLst>
           </p:cNvPr>
@@ -2231,7 +1151,7 @@
           <p:cNvPr id="4" name="Google Shape;11;p5">
             <a:extLst>
               <a:ext uri="{FF2B5EF4-FFF2-40B4-BE49-F238E27FC236}">
-                <a16:creationId xmlns:a16="http://schemas.microsoft.com/office/drawing/2014/main" xmlns="" id="{E3BFA7FB-261D-418C-AB36-0AE52A4CC41D}"/>
+                <a16:creationId xmlns="" xmlns:a16="http://schemas.microsoft.com/office/drawing/2014/main" id="{E3BFA7FB-261D-418C-AB36-0AE52A4CC41D}"/>
               </a:ext>
             </a:extLst>
           </p:cNvPr>
@@ -2389,7 +1309,7 @@
           <p:cNvPr id="5" name="Google Shape;12;p5">
             <a:extLst>
               <a:ext uri="{FF2B5EF4-FFF2-40B4-BE49-F238E27FC236}">
-                <a16:creationId xmlns:a16="http://schemas.microsoft.com/office/drawing/2014/main" xmlns="" id="{84D6A78E-BD41-4E16-8DD7-8CD3958FF54B}"/>
+                <a16:creationId xmlns="" xmlns:a16="http://schemas.microsoft.com/office/drawing/2014/main" id="{84D6A78E-BD41-4E16-8DD7-8CD3958FF54B}"/>
               </a:ext>
             </a:extLst>
           </p:cNvPr>
@@ -3014,7 +1934,7 @@
           <p:cNvPr id="6" name="Google Shape;83;p17">
             <a:extLst>
               <a:ext uri="{FF2B5EF4-FFF2-40B4-BE49-F238E27FC236}">
-                <a16:creationId xmlns:a16="http://schemas.microsoft.com/office/drawing/2014/main" xmlns="" id="{464BD804-D61C-41D4-836A-3F0D5620725E}"/>
+                <a16:creationId xmlns="" xmlns:a16="http://schemas.microsoft.com/office/drawing/2014/main" id="{464BD804-D61C-41D4-836A-3F0D5620725E}"/>
               </a:ext>
             </a:extLst>
           </p:cNvPr>
@@ -3167,7 +2087,7 @@
           <p:cNvPr id="7" name="Google Shape;83;p17">
             <a:extLst>
               <a:ext uri="{FF2B5EF4-FFF2-40B4-BE49-F238E27FC236}">
-                <a16:creationId xmlns:a16="http://schemas.microsoft.com/office/drawing/2014/main" xmlns="" id="{A3BCCEBD-8EA8-458F-9BC3-430C03DA2D83}"/>
+                <a16:creationId xmlns="" xmlns:a16="http://schemas.microsoft.com/office/drawing/2014/main" id="{A3BCCEBD-8EA8-458F-9BC3-430C03DA2D83}"/>
               </a:ext>
             </a:extLst>
           </p:cNvPr>
@@ -3283,7 +2203,7 @@
           <p:cNvPr id="8" name="Google Shape;47;p11">
             <a:extLst>
               <a:ext uri="{FF2B5EF4-FFF2-40B4-BE49-F238E27FC236}">
-                <a16:creationId xmlns:a16="http://schemas.microsoft.com/office/drawing/2014/main" xmlns="" id="{BE73FDE2-AD6D-4536-979A-DFD5A5A120FB}"/>
+                <a16:creationId xmlns="" xmlns:a16="http://schemas.microsoft.com/office/drawing/2014/main" id="{BE73FDE2-AD6D-4536-979A-DFD5A5A120FB}"/>
               </a:ext>
             </a:extLst>
           </p:cNvPr>
@@ -3505,7 +2425,7 @@
           <p:cNvPr id="9" name="Google Shape;48;p11">
             <a:extLst>
               <a:ext uri="{FF2B5EF4-FFF2-40B4-BE49-F238E27FC236}">
-                <a16:creationId xmlns:a16="http://schemas.microsoft.com/office/drawing/2014/main" xmlns="" id="{CDC7DB9F-D126-4C0F-900F-3ED455B7D4B6}"/>
+                <a16:creationId xmlns="" xmlns:a16="http://schemas.microsoft.com/office/drawing/2014/main" id="{CDC7DB9F-D126-4C0F-900F-3ED455B7D4B6}"/>
               </a:ext>
             </a:extLst>
           </p:cNvPr>
@@ -3727,7 +2647,7 @@
           <p:cNvPr id="6" name="Google Shape;30;p8">
             <a:extLst>
               <a:ext uri="{FF2B5EF4-FFF2-40B4-BE49-F238E27FC236}">
-                <a16:creationId xmlns:a16="http://schemas.microsoft.com/office/drawing/2014/main" xmlns="" id="{0A0C615F-D144-44C1-91C6-0FB98026FAD0}"/>
+                <a16:creationId xmlns="" xmlns:a16="http://schemas.microsoft.com/office/drawing/2014/main" id="{0A0C615F-D144-44C1-91C6-0FB98026FAD0}"/>
               </a:ext>
             </a:extLst>
           </p:cNvPr>
@@ -3953,7 +2873,7 @@
           <p:cNvPr id="4" name="Google Shape;83;p17">
             <a:extLst>
               <a:ext uri="{FF2B5EF4-FFF2-40B4-BE49-F238E27FC236}">
-                <a16:creationId xmlns:a16="http://schemas.microsoft.com/office/drawing/2014/main" xmlns="" id="{3C33CCE7-3AA5-4E4A-9FB4-1EE49FE9D890}"/>
+                <a16:creationId xmlns="" xmlns:a16="http://schemas.microsoft.com/office/drawing/2014/main" id="{3C33CCE7-3AA5-4E4A-9FB4-1EE49FE9D890}"/>
               </a:ext>
             </a:extLst>
           </p:cNvPr>
@@ -4106,7 +3026,7 @@
           <p:cNvPr id="3" name="Google Shape;83;p17">
             <a:extLst>
               <a:ext uri="{FF2B5EF4-FFF2-40B4-BE49-F238E27FC236}">
-                <a16:creationId xmlns:a16="http://schemas.microsoft.com/office/drawing/2014/main" xmlns="" id="{0CA1A5D0-6F6B-4B83-84EB-024B06E2BB76}"/>
+                <a16:creationId xmlns="" xmlns:a16="http://schemas.microsoft.com/office/drawing/2014/main" id="{0CA1A5D0-6F6B-4B83-84EB-024B06E2BB76}"/>
               </a:ext>
             </a:extLst>
           </p:cNvPr>
@@ -5407,7 +4327,7 @@
           <p:cNvPr id="6" name="Google Shape;83;p17">
             <a:extLst>
               <a:ext uri="{FF2B5EF4-FFF2-40B4-BE49-F238E27FC236}">
-                <a16:creationId xmlns:a16="http://schemas.microsoft.com/office/drawing/2014/main" xmlns="" id="{375ED264-9BE6-45D1-BEF5-3485B756C4E8}"/>
+                <a16:creationId xmlns="" xmlns:a16="http://schemas.microsoft.com/office/drawing/2014/main" id="{375ED264-9BE6-45D1-BEF5-3485B756C4E8}"/>
               </a:ext>
             </a:extLst>
           </p:cNvPr>
@@ -5980,7 +4900,7 @@
           <p:cNvPr id="6" name="Google Shape;83;p17">
             <a:extLst>
               <a:ext uri="{FF2B5EF4-FFF2-40B4-BE49-F238E27FC236}">
-                <a16:creationId xmlns:a16="http://schemas.microsoft.com/office/drawing/2014/main" xmlns="" id="{BB71C74F-A570-498D-A002-6D7C372C65B0}"/>
+                <a16:creationId xmlns="" xmlns:a16="http://schemas.microsoft.com/office/drawing/2014/main" id="{BB71C74F-A570-498D-A002-6D7C372C65B0}"/>
               </a:ext>
             </a:extLst>
           </p:cNvPr>
@@ -6133,7 +5053,7 @@
           <p:cNvPr id="28" name="Google Shape;88;p1">
             <a:extLst>
               <a:ext uri="{FF2B5EF4-FFF2-40B4-BE49-F238E27FC236}">
-                <a16:creationId xmlns:a16="http://schemas.microsoft.com/office/drawing/2014/main" xmlns="" id="{12BBAE2F-1E25-4B32-9650-086D0CA2FEB3}"/>
+                <a16:creationId xmlns="" xmlns:a16="http://schemas.microsoft.com/office/drawing/2014/main" id="{12BBAE2F-1E25-4B32-9650-086D0CA2FEB3}"/>
               </a:ext>
             </a:extLst>
           </p:cNvPr>
@@ -6166,7 +5086,7 @@
           <p:cNvPr id="5" name="Рисунок 4">
             <a:extLst>
               <a:ext uri="{FF2B5EF4-FFF2-40B4-BE49-F238E27FC236}">
-                <a16:creationId xmlns:a16="http://schemas.microsoft.com/office/drawing/2014/main" xmlns="" id="{2B857A83-5237-42B9-BA8A-BF8F445C1D41}"/>
+                <a16:creationId xmlns="" xmlns:a16="http://schemas.microsoft.com/office/drawing/2014/main" id="{2B857A83-5237-42B9-BA8A-BF8F445C1D41}"/>
               </a:ext>
             </a:extLst>
           </p:cNvPr>
@@ -6196,7 +5116,7 @@
           <p:cNvPr id="4" name="Рисунок 3">
             <a:extLst>
               <a:ext uri="{FF2B5EF4-FFF2-40B4-BE49-F238E27FC236}">
-                <a16:creationId xmlns:a16="http://schemas.microsoft.com/office/drawing/2014/main" xmlns="" id="{FDF32500-0827-4423-A3B8-9538CB7A7CD1}"/>
+                <a16:creationId xmlns="" xmlns:a16="http://schemas.microsoft.com/office/drawing/2014/main" id="{FDF32500-0827-4423-A3B8-9538CB7A7CD1}"/>
               </a:ext>
             </a:extLst>
           </p:cNvPr>
@@ -6226,7 +5146,7 @@
           <p:cNvPr id="29" name="TextBox 28">
             <a:extLst>
               <a:ext uri="{FF2B5EF4-FFF2-40B4-BE49-F238E27FC236}">
-                <a16:creationId xmlns:a16="http://schemas.microsoft.com/office/drawing/2014/main" xmlns="" id="{D5D1BD65-59E0-46AC-BC24-1B28D1FA30E4}"/>
+                <a16:creationId xmlns="" xmlns:a16="http://schemas.microsoft.com/office/drawing/2014/main" id="{D5D1BD65-59E0-46AC-BC24-1B28D1FA30E4}"/>
               </a:ext>
             </a:extLst>
           </p:cNvPr>
@@ -6280,7 +5200,7 @@
           <p:cNvPr id="32" name="Прямоугольник 58">
             <a:extLst>
               <a:ext uri="{FF2B5EF4-FFF2-40B4-BE49-F238E27FC236}">
-                <a16:creationId xmlns:a16="http://schemas.microsoft.com/office/drawing/2014/main" xmlns="" id="{046CF162-1BBC-4CF7-9474-D6A32C635F92}"/>
+                <a16:creationId xmlns="" xmlns:a16="http://schemas.microsoft.com/office/drawing/2014/main" id="{046CF162-1BBC-4CF7-9474-D6A32C635F92}"/>
               </a:ext>
             </a:extLst>
           </p:cNvPr>
@@ -6459,7 +5379,7 @@
           <p:cNvPr id="3" name="Рисунок 2">
             <a:extLst>
               <a:ext uri="{FF2B5EF4-FFF2-40B4-BE49-F238E27FC236}">
-                <a16:creationId xmlns:a16="http://schemas.microsoft.com/office/drawing/2014/main" xmlns="" id="{9E8EEF78-8EFF-47ED-8447-A3A1F67B89B9}"/>
+                <a16:creationId xmlns="" xmlns:a16="http://schemas.microsoft.com/office/drawing/2014/main" id="{9E8EEF78-8EFF-47ED-8447-A3A1F67B89B9}"/>
               </a:ext>
             </a:extLst>
           </p:cNvPr>
@@ -7678,7 +6598,7 @@
           <p:cNvPr id="2" name="Заголовок 1">
             <a:extLst>
               <a:ext uri="{FF2B5EF4-FFF2-40B4-BE49-F238E27FC236}">
-                <a16:creationId xmlns:a16="http://schemas.microsoft.com/office/drawing/2014/main" xmlns="" id="{5574598A-8D69-4EDC-8A16-7BF4EA8474C6}"/>
+                <a16:creationId xmlns="" xmlns:a16="http://schemas.microsoft.com/office/drawing/2014/main" id="{5574598A-8D69-4EDC-8A16-7BF4EA8474C6}"/>
               </a:ext>
             </a:extLst>
           </p:cNvPr>
@@ -7741,7 +6661,7 @@
           <p:cNvPr id="3" name="Подзаголовок 2">
             <a:extLst>
               <a:ext uri="{FF2B5EF4-FFF2-40B4-BE49-F238E27FC236}">
-                <a16:creationId xmlns:a16="http://schemas.microsoft.com/office/drawing/2014/main" xmlns="" id="{30C45695-17CA-4F1C-9AC0-19290977FAC9}"/>
+                <a16:creationId xmlns="" xmlns:a16="http://schemas.microsoft.com/office/drawing/2014/main" id="{30C45695-17CA-4F1C-9AC0-19290977FAC9}"/>
               </a:ext>
             </a:extLst>
           </p:cNvPr>
@@ -7785,6 +6705,13 @@
       <p:transition/>
     </mc:Fallback>
   </mc:AlternateContent>
+  <p:timing>
+    <p:tnLst>
+      <p:par>
+        <p:cTn id="1" dur="indefinite" restart="never" nodeType="tmRoot"/>
+      </p:par>
+    </p:tnLst>
+  </p:timing>
 </p:sld>
 </file>
 
@@ -7810,7 +6737,7 @@
           <p:cNvPr id="65" name="Группа 64">
             <a:extLst>
               <a:ext uri="{FF2B5EF4-FFF2-40B4-BE49-F238E27FC236}">
-                <a16:creationId xmlns:a16="http://schemas.microsoft.com/office/drawing/2014/main" xmlns="" id="{9280711C-2262-4089-92EE-9BEACCC60C4C}"/>
+                <a16:creationId xmlns="" xmlns:a16="http://schemas.microsoft.com/office/drawing/2014/main" id="{9280711C-2262-4089-92EE-9BEACCC60C4C}"/>
               </a:ext>
             </a:extLst>
           </p:cNvPr>
@@ -7830,7 +6757,7 @@
             <p:cNvPr id="68" name="Прямоугольник 67">
               <a:extLst>
                 <a:ext uri="{FF2B5EF4-FFF2-40B4-BE49-F238E27FC236}">
-                  <a16:creationId xmlns:a16="http://schemas.microsoft.com/office/drawing/2014/main" xmlns="" id="{E2535886-3476-4B40-9706-6797B77905C0}"/>
+                  <a16:creationId xmlns="" xmlns:a16="http://schemas.microsoft.com/office/drawing/2014/main" id="{E2535886-3476-4B40-9706-6797B77905C0}"/>
                 </a:ext>
               </a:extLst>
             </p:cNvPr>
@@ -7902,7 +6829,7 @@
             <p:cNvPr id="69" name="Прямоугольник 58">
               <a:extLst>
                 <a:ext uri="{FF2B5EF4-FFF2-40B4-BE49-F238E27FC236}">
-                  <a16:creationId xmlns:a16="http://schemas.microsoft.com/office/drawing/2014/main" xmlns="" id="{96789138-2397-49AA-BF3A-A6B5B90E8840}"/>
+                  <a16:creationId xmlns="" xmlns:a16="http://schemas.microsoft.com/office/drawing/2014/main" id="{96789138-2397-49AA-BF3A-A6B5B90E8840}"/>
                 </a:ext>
               </a:extLst>
             </p:cNvPr>
@@ -8039,7 +6966,7 @@
             <p:cNvPr id="70" name="Прямоугольник 58">
               <a:extLst>
                 <a:ext uri="{FF2B5EF4-FFF2-40B4-BE49-F238E27FC236}">
-                  <a16:creationId xmlns:a16="http://schemas.microsoft.com/office/drawing/2014/main" xmlns="" id="{DA239952-60E1-45EB-BDF0-422CC4CF7E42}"/>
+                  <a16:creationId xmlns="" xmlns:a16="http://schemas.microsoft.com/office/drawing/2014/main" id="{DA239952-60E1-45EB-BDF0-422CC4CF7E42}"/>
                 </a:ext>
               </a:extLst>
             </p:cNvPr>
@@ -8182,7 +7109,7 @@
           <p:cNvPr id="4" name="Номер слайда 3">
             <a:extLst>
               <a:ext uri="{FF2B5EF4-FFF2-40B4-BE49-F238E27FC236}">
-                <a16:creationId xmlns:a16="http://schemas.microsoft.com/office/drawing/2014/main" xmlns="" id="{06555008-558A-4705-ADA6-A99A535D9A16}"/>
+                <a16:creationId xmlns="" xmlns:a16="http://schemas.microsoft.com/office/drawing/2014/main" id="{06555008-558A-4705-ADA6-A99A535D9A16}"/>
               </a:ext>
             </a:extLst>
           </p:cNvPr>
@@ -8220,7 +7147,7 @@
           <p:cNvPr id="11" name="Google Shape;125;p4">
             <a:extLst>
               <a:ext uri="{FF2B5EF4-FFF2-40B4-BE49-F238E27FC236}">
-                <a16:creationId xmlns:a16="http://schemas.microsoft.com/office/drawing/2014/main" xmlns="" id="{60669A83-F90E-4A4C-BA00-13CC73D4042F}"/>
+                <a16:creationId xmlns="" xmlns:a16="http://schemas.microsoft.com/office/drawing/2014/main" id="{60669A83-F90E-4A4C-BA00-13CC73D4042F}"/>
               </a:ext>
             </a:extLst>
           </p:cNvPr>
@@ -8298,7 +7225,7 @@
           <p:cNvPr id="36" name="Группа 35">
             <a:extLst>
               <a:ext uri="{FF2B5EF4-FFF2-40B4-BE49-F238E27FC236}">
-                <a16:creationId xmlns:a16="http://schemas.microsoft.com/office/drawing/2014/main" xmlns="" id="{066B2AF8-B3BB-4E6C-B4EF-BA91A7149C6E}"/>
+                <a16:creationId xmlns="" xmlns:a16="http://schemas.microsoft.com/office/drawing/2014/main" id="{066B2AF8-B3BB-4E6C-B4EF-BA91A7149C6E}"/>
               </a:ext>
             </a:extLst>
           </p:cNvPr>
@@ -8318,7 +7245,7 @@
             <p:cNvPr id="37" name="Google Shape;123;p4">
               <a:extLst>
                 <a:ext uri="{FF2B5EF4-FFF2-40B4-BE49-F238E27FC236}">
-                  <a16:creationId xmlns:a16="http://schemas.microsoft.com/office/drawing/2014/main" xmlns="" id="{B2BB743C-20D7-4E69-AAE1-54C42970370B}"/>
+                  <a16:creationId xmlns="" xmlns:a16="http://schemas.microsoft.com/office/drawing/2014/main" id="{B2BB743C-20D7-4E69-AAE1-54C42970370B}"/>
                 </a:ext>
               </a:extLst>
             </p:cNvPr>
@@ -8352,7 +7279,7 @@
             <p:cNvPr id="38" name="Google Shape;124;p4">
               <a:extLst>
                 <a:ext uri="{FF2B5EF4-FFF2-40B4-BE49-F238E27FC236}">
-                  <a16:creationId xmlns:a16="http://schemas.microsoft.com/office/drawing/2014/main" xmlns="" id="{A09E8948-234F-49EF-B8ED-B3C480E04917}"/>
+                  <a16:creationId xmlns="" xmlns:a16="http://schemas.microsoft.com/office/drawing/2014/main" id="{A09E8948-234F-49EF-B8ED-B3C480E04917}"/>
                 </a:ext>
               </a:extLst>
             </p:cNvPr>
@@ -8386,7 +7313,7 @@
             <p:cNvPr id="39" name="Google Shape;126;p4">
               <a:extLst>
                 <a:ext uri="{FF2B5EF4-FFF2-40B4-BE49-F238E27FC236}">
-                  <a16:creationId xmlns:a16="http://schemas.microsoft.com/office/drawing/2014/main" xmlns="" id="{DE776E1C-0C20-43D2-8A38-628879EB82A4}"/>
+                  <a16:creationId xmlns="" xmlns:a16="http://schemas.microsoft.com/office/drawing/2014/main" id="{DE776E1C-0C20-43D2-8A38-628879EB82A4}"/>
                 </a:ext>
               </a:extLst>
             </p:cNvPr>
@@ -8421,7 +7348,7 @@
           <p:cNvPr id="40" name="Группа 39">
             <a:extLst>
               <a:ext uri="{FF2B5EF4-FFF2-40B4-BE49-F238E27FC236}">
-                <a16:creationId xmlns:a16="http://schemas.microsoft.com/office/drawing/2014/main" xmlns="" id="{A61F8772-5670-475E-90AF-084D02A24E45}"/>
+                <a16:creationId xmlns="" xmlns:a16="http://schemas.microsoft.com/office/drawing/2014/main" id="{A61F8772-5670-475E-90AF-084D02A24E45}"/>
               </a:ext>
             </a:extLst>
           </p:cNvPr>
@@ -8441,7 +7368,7 @@
             <p:cNvPr id="41" name="Google Shape;123;p4">
               <a:extLst>
                 <a:ext uri="{FF2B5EF4-FFF2-40B4-BE49-F238E27FC236}">
-                  <a16:creationId xmlns:a16="http://schemas.microsoft.com/office/drawing/2014/main" xmlns="" id="{31FD4C9E-5F69-4810-A00B-E211610CB36A}"/>
+                  <a16:creationId xmlns="" xmlns:a16="http://schemas.microsoft.com/office/drawing/2014/main" id="{31FD4C9E-5F69-4810-A00B-E211610CB36A}"/>
                 </a:ext>
               </a:extLst>
             </p:cNvPr>
@@ -8475,7 +7402,7 @@
             <p:cNvPr id="42" name="Google Shape;124;p4">
               <a:extLst>
                 <a:ext uri="{FF2B5EF4-FFF2-40B4-BE49-F238E27FC236}">
-                  <a16:creationId xmlns:a16="http://schemas.microsoft.com/office/drawing/2014/main" xmlns="" id="{1B688AC3-F620-4E8E-B8F1-1B14FAE7C0C2}"/>
+                  <a16:creationId xmlns="" xmlns:a16="http://schemas.microsoft.com/office/drawing/2014/main" id="{1B688AC3-F620-4E8E-B8F1-1B14FAE7C0C2}"/>
                 </a:ext>
               </a:extLst>
             </p:cNvPr>
@@ -8509,7 +7436,7 @@
             <p:cNvPr id="43" name="Google Shape;126;p4">
               <a:extLst>
                 <a:ext uri="{FF2B5EF4-FFF2-40B4-BE49-F238E27FC236}">
-                  <a16:creationId xmlns:a16="http://schemas.microsoft.com/office/drawing/2014/main" xmlns="" id="{87B9060E-A604-4528-B297-A9EBC00AAAD6}"/>
+                  <a16:creationId xmlns="" xmlns:a16="http://schemas.microsoft.com/office/drawing/2014/main" id="{87B9060E-A604-4528-B297-A9EBC00AAAD6}"/>
                 </a:ext>
               </a:extLst>
             </p:cNvPr>
@@ -8544,7 +7471,7 @@
           <p:cNvPr id="44" name="Группа 43">
             <a:extLst>
               <a:ext uri="{FF2B5EF4-FFF2-40B4-BE49-F238E27FC236}">
-                <a16:creationId xmlns:a16="http://schemas.microsoft.com/office/drawing/2014/main" xmlns="" id="{90E0740F-EFCD-41F2-8EB0-E752773D0AE6}"/>
+                <a16:creationId xmlns="" xmlns:a16="http://schemas.microsoft.com/office/drawing/2014/main" id="{90E0740F-EFCD-41F2-8EB0-E752773D0AE6}"/>
               </a:ext>
             </a:extLst>
           </p:cNvPr>
@@ -8564,7 +7491,7 @@
             <p:cNvPr id="45" name="Google Shape;123;p4">
               <a:extLst>
                 <a:ext uri="{FF2B5EF4-FFF2-40B4-BE49-F238E27FC236}">
-                  <a16:creationId xmlns:a16="http://schemas.microsoft.com/office/drawing/2014/main" xmlns="" id="{5C8D2F6A-BB2A-49FD-B94C-250EB763B066}"/>
+                  <a16:creationId xmlns="" xmlns:a16="http://schemas.microsoft.com/office/drawing/2014/main" id="{5C8D2F6A-BB2A-49FD-B94C-250EB763B066}"/>
                 </a:ext>
               </a:extLst>
             </p:cNvPr>
@@ -8598,7 +7525,7 @@
             <p:cNvPr id="46" name="Google Shape;124;p4">
               <a:extLst>
                 <a:ext uri="{FF2B5EF4-FFF2-40B4-BE49-F238E27FC236}">
-                  <a16:creationId xmlns:a16="http://schemas.microsoft.com/office/drawing/2014/main" xmlns="" id="{EB043BAB-1826-41DB-A7FE-AAA09C039F9C}"/>
+                  <a16:creationId xmlns="" xmlns:a16="http://schemas.microsoft.com/office/drawing/2014/main" id="{EB043BAB-1826-41DB-A7FE-AAA09C039F9C}"/>
                 </a:ext>
               </a:extLst>
             </p:cNvPr>
@@ -8632,7 +7559,7 @@
             <p:cNvPr id="47" name="Google Shape;126;p4">
               <a:extLst>
                 <a:ext uri="{FF2B5EF4-FFF2-40B4-BE49-F238E27FC236}">
-                  <a16:creationId xmlns:a16="http://schemas.microsoft.com/office/drawing/2014/main" xmlns="" id="{24ECB75A-09F9-43A5-8D25-D348344E60BF}"/>
+                  <a16:creationId xmlns="" xmlns:a16="http://schemas.microsoft.com/office/drawing/2014/main" id="{24ECB75A-09F9-43A5-8D25-D348344E60BF}"/>
                 </a:ext>
               </a:extLst>
             </p:cNvPr>
@@ -8667,7 +7594,7 @@
           <p:cNvPr id="48" name="Группа 47">
             <a:extLst>
               <a:ext uri="{FF2B5EF4-FFF2-40B4-BE49-F238E27FC236}">
-                <a16:creationId xmlns:a16="http://schemas.microsoft.com/office/drawing/2014/main" xmlns="" id="{C1DE16C2-2172-463A-93BA-EA11B2417C83}"/>
+                <a16:creationId xmlns="" xmlns:a16="http://schemas.microsoft.com/office/drawing/2014/main" id="{C1DE16C2-2172-463A-93BA-EA11B2417C83}"/>
               </a:ext>
             </a:extLst>
           </p:cNvPr>
@@ -8687,7 +7614,7 @@
             <p:cNvPr id="49" name="Google Shape;123;p4">
               <a:extLst>
                 <a:ext uri="{FF2B5EF4-FFF2-40B4-BE49-F238E27FC236}">
-                  <a16:creationId xmlns:a16="http://schemas.microsoft.com/office/drawing/2014/main" xmlns="" id="{73882629-1BAE-438B-9802-2EDD583F7F1E}"/>
+                  <a16:creationId xmlns="" xmlns:a16="http://schemas.microsoft.com/office/drawing/2014/main" id="{73882629-1BAE-438B-9802-2EDD583F7F1E}"/>
                 </a:ext>
               </a:extLst>
             </p:cNvPr>
@@ -8721,7 +7648,7 @@
             <p:cNvPr id="50" name="Google Shape;124;p4">
               <a:extLst>
                 <a:ext uri="{FF2B5EF4-FFF2-40B4-BE49-F238E27FC236}">
-                  <a16:creationId xmlns:a16="http://schemas.microsoft.com/office/drawing/2014/main" xmlns="" id="{590F5074-56E7-4E5F-A651-A7E31BD5FFBA}"/>
+                  <a16:creationId xmlns="" xmlns:a16="http://schemas.microsoft.com/office/drawing/2014/main" id="{590F5074-56E7-4E5F-A651-A7E31BD5FFBA}"/>
                 </a:ext>
               </a:extLst>
             </p:cNvPr>
@@ -8755,7 +7682,7 @@
             <p:cNvPr id="51" name="Google Shape;126;p4">
               <a:extLst>
                 <a:ext uri="{FF2B5EF4-FFF2-40B4-BE49-F238E27FC236}">
-                  <a16:creationId xmlns:a16="http://schemas.microsoft.com/office/drawing/2014/main" xmlns="" id="{A2CA7045-D48F-4328-8FF7-FF8E4D8ABC12}"/>
+                  <a16:creationId xmlns="" xmlns:a16="http://schemas.microsoft.com/office/drawing/2014/main" id="{A2CA7045-D48F-4328-8FF7-FF8E4D8ABC12}"/>
                 </a:ext>
               </a:extLst>
             </p:cNvPr>
@@ -8790,7 +7717,7 @@
           <p:cNvPr id="52" name="Google Shape;125;p4">
             <a:extLst>
               <a:ext uri="{FF2B5EF4-FFF2-40B4-BE49-F238E27FC236}">
-                <a16:creationId xmlns:a16="http://schemas.microsoft.com/office/drawing/2014/main" xmlns="" id="{B392D556-B476-4E1F-958C-31EE7B16300D}"/>
+                <a16:creationId xmlns="" xmlns:a16="http://schemas.microsoft.com/office/drawing/2014/main" id="{B392D556-B476-4E1F-958C-31EE7B16300D}"/>
               </a:ext>
             </a:extLst>
           </p:cNvPr>
@@ -8852,7 +7779,7 @@
           <p:cNvPr id="53" name="Google Shape;127;p4">
             <a:extLst>
               <a:ext uri="{FF2B5EF4-FFF2-40B4-BE49-F238E27FC236}">
-                <a16:creationId xmlns:a16="http://schemas.microsoft.com/office/drawing/2014/main" xmlns="" id="{BCF65B5B-0337-4C73-B9BB-A05F6916D064}"/>
+                <a16:creationId xmlns="" xmlns:a16="http://schemas.microsoft.com/office/drawing/2014/main" id="{BCF65B5B-0337-4C73-B9BB-A05F6916D064}"/>
               </a:ext>
             </a:extLst>
           </p:cNvPr>
@@ -8916,7 +7843,7 @@
           <p:cNvPr id="55" name="Google Shape;127;p4">
             <a:extLst>
               <a:ext uri="{FF2B5EF4-FFF2-40B4-BE49-F238E27FC236}">
-                <a16:creationId xmlns:a16="http://schemas.microsoft.com/office/drawing/2014/main" xmlns="" id="{09A3BA78-83A5-439F-80AC-98893E52CA81}"/>
+                <a16:creationId xmlns="" xmlns:a16="http://schemas.microsoft.com/office/drawing/2014/main" id="{09A3BA78-83A5-439F-80AC-98893E52CA81}"/>
               </a:ext>
             </a:extLst>
           </p:cNvPr>
@@ -8980,7 +7907,7 @@
           <p:cNvPr id="56" name="Google Shape;125;p4">
             <a:extLst>
               <a:ext uri="{FF2B5EF4-FFF2-40B4-BE49-F238E27FC236}">
-                <a16:creationId xmlns:a16="http://schemas.microsoft.com/office/drawing/2014/main" xmlns="" id="{3DDF0676-49DA-46BC-9B49-E63651936BD7}"/>
+                <a16:creationId xmlns="" xmlns:a16="http://schemas.microsoft.com/office/drawing/2014/main" id="{3DDF0676-49DA-46BC-9B49-E63651936BD7}"/>
               </a:ext>
             </a:extLst>
           </p:cNvPr>
@@ -9030,7 +7957,7 @@
           <p:cNvPr id="57" name="Google Shape;127;p4">
             <a:extLst>
               <a:ext uri="{FF2B5EF4-FFF2-40B4-BE49-F238E27FC236}">
-                <a16:creationId xmlns:a16="http://schemas.microsoft.com/office/drawing/2014/main" xmlns="" id="{52BA7844-74CD-4A10-A920-4E6A0D827A2C}"/>
+                <a16:creationId xmlns="" xmlns:a16="http://schemas.microsoft.com/office/drawing/2014/main" id="{52BA7844-74CD-4A10-A920-4E6A0D827A2C}"/>
               </a:ext>
             </a:extLst>
           </p:cNvPr>
@@ -9094,7 +8021,7 @@
           <p:cNvPr id="58" name="Google Shape;125;p4">
             <a:extLst>
               <a:ext uri="{FF2B5EF4-FFF2-40B4-BE49-F238E27FC236}">
-                <a16:creationId xmlns:a16="http://schemas.microsoft.com/office/drawing/2014/main" xmlns="" id="{5196AA80-638D-487F-983B-0DA60BA9BE05}"/>
+                <a16:creationId xmlns="" xmlns:a16="http://schemas.microsoft.com/office/drawing/2014/main" id="{5196AA80-638D-487F-983B-0DA60BA9BE05}"/>
               </a:ext>
             </a:extLst>
           </p:cNvPr>
@@ -9144,7 +8071,7 @@
           <p:cNvPr id="59" name="Google Shape;127;p4">
             <a:extLst>
               <a:ext uri="{FF2B5EF4-FFF2-40B4-BE49-F238E27FC236}">
-                <a16:creationId xmlns:a16="http://schemas.microsoft.com/office/drawing/2014/main" xmlns="" id="{6CBDF430-C68B-42FA-BC4A-87935642BB35}"/>
+                <a16:creationId xmlns="" xmlns:a16="http://schemas.microsoft.com/office/drawing/2014/main" id="{6CBDF430-C68B-42FA-BC4A-87935642BB35}"/>
               </a:ext>
             </a:extLst>
           </p:cNvPr>
@@ -9208,7 +8135,7 @@
           <p:cNvPr id="60" name="Группа 59">
             <a:extLst>
               <a:ext uri="{FF2B5EF4-FFF2-40B4-BE49-F238E27FC236}">
-                <a16:creationId xmlns:a16="http://schemas.microsoft.com/office/drawing/2014/main" xmlns="" id="{CEB208F7-621F-4826-AC02-D9ACF56C2556}"/>
+                <a16:creationId xmlns="" xmlns:a16="http://schemas.microsoft.com/office/drawing/2014/main" id="{CEB208F7-621F-4826-AC02-D9ACF56C2556}"/>
               </a:ext>
             </a:extLst>
           </p:cNvPr>
@@ -9228,7 +8155,7 @@
             <p:cNvPr id="61" name="Google Shape;123;p4">
               <a:extLst>
                 <a:ext uri="{FF2B5EF4-FFF2-40B4-BE49-F238E27FC236}">
-                  <a16:creationId xmlns:a16="http://schemas.microsoft.com/office/drawing/2014/main" xmlns="" id="{C80DFF66-7760-463A-A6E3-7A4A06739A6B}"/>
+                  <a16:creationId xmlns="" xmlns:a16="http://schemas.microsoft.com/office/drawing/2014/main" id="{C80DFF66-7760-463A-A6E3-7A4A06739A6B}"/>
                 </a:ext>
               </a:extLst>
             </p:cNvPr>
@@ -9262,7 +8189,7 @@
             <p:cNvPr id="62" name="Google Shape;124;p4">
               <a:extLst>
                 <a:ext uri="{FF2B5EF4-FFF2-40B4-BE49-F238E27FC236}">
-                  <a16:creationId xmlns:a16="http://schemas.microsoft.com/office/drawing/2014/main" xmlns="" id="{537A8DBB-64CB-4C54-9816-C8AB9CEF9F83}"/>
+                  <a16:creationId xmlns="" xmlns:a16="http://schemas.microsoft.com/office/drawing/2014/main" id="{537A8DBB-64CB-4C54-9816-C8AB9CEF9F83}"/>
                 </a:ext>
               </a:extLst>
             </p:cNvPr>
@@ -9296,7 +8223,7 @@
             <p:cNvPr id="63" name="Google Shape;126;p4">
               <a:extLst>
                 <a:ext uri="{FF2B5EF4-FFF2-40B4-BE49-F238E27FC236}">
-                  <a16:creationId xmlns:a16="http://schemas.microsoft.com/office/drawing/2014/main" xmlns="" id="{5EA94F71-5A4A-461B-84A6-89FA43FE7B61}"/>
+                  <a16:creationId xmlns="" xmlns:a16="http://schemas.microsoft.com/office/drawing/2014/main" id="{5EA94F71-5A4A-461B-84A6-89FA43FE7B61}"/>
                 </a:ext>
               </a:extLst>
             </p:cNvPr>
@@ -9331,7 +8258,7 @@
           <p:cNvPr id="64" name="Google Shape;127;p4">
             <a:extLst>
               <a:ext uri="{FF2B5EF4-FFF2-40B4-BE49-F238E27FC236}">
-                <a16:creationId xmlns:a16="http://schemas.microsoft.com/office/drawing/2014/main" xmlns="" id="{52F47E68-BBBA-4D50-92F9-0A84552519B8}"/>
+                <a16:creationId xmlns="" xmlns:a16="http://schemas.microsoft.com/office/drawing/2014/main" id="{52F47E68-BBBA-4D50-92F9-0A84552519B8}"/>
               </a:ext>
             </a:extLst>
           </p:cNvPr>
@@ -9395,7 +8322,7 @@
           <p:cNvPr id="66" name="Google Shape;125;p4">
             <a:extLst>
               <a:ext uri="{FF2B5EF4-FFF2-40B4-BE49-F238E27FC236}">
-                <a16:creationId xmlns:a16="http://schemas.microsoft.com/office/drawing/2014/main" xmlns="" id="{5196AA80-638D-487F-983B-0DA60BA9BE05}"/>
+                <a16:creationId xmlns="" xmlns:a16="http://schemas.microsoft.com/office/drawing/2014/main" id="{5196AA80-638D-487F-983B-0DA60BA9BE05}"/>
               </a:ext>
             </a:extLst>
           </p:cNvPr>
@@ -9450,14 +8377,21 @@
   <p:clrMapOvr>
     <a:masterClrMapping/>
   </p:clrMapOvr>
-  <mc:AlternateContent xmlns:mc="http://schemas.openxmlformats.org/markup-compatibility/2006">
-    <mc:Choice xmlns:p14="http://schemas.microsoft.com/office/powerpoint/2010/main" Requires="p14">
+  <mc:AlternateContent xmlns:mc="http://schemas.openxmlformats.org/markup-compatibility/2006" xmlns:p14="http://schemas.microsoft.com/office/powerpoint/2010/main">
+    <mc:Choice Requires="p14">
       <p:transition p14:dur="10"/>
     </mc:Choice>
-    <mc:Fallback>
+    <mc:Fallback xmlns="">
       <p:transition/>
     </mc:Fallback>
   </mc:AlternateContent>
+  <p:timing>
+    <p:tnLst>
+      <p:par>
+        <p:cTn id="1" dur="indefinite" restart="never" nodeType="tmRoot"/>
+      </p:par>
+    </p:tnLst>
+  </p:timing>
 </p:sld>
 </file>
 
@@ -9483,7 +8417,7 @@
           <p:cNvPr id="2" name="Текст 1">
             <a:extLst>
               <a:ext uri="{FF2B5EF4-FFF2-40B4-BE49-F238E27FC236}">
-                <a16:creationId xmlns:a16="http://schemas.microsoft.com/office/drawing/2014/main" xmlns="" id="{17FD5A9C-AA57-42B9-8F69-29229E6D0F9D}"/>
+                <a16:creationId xmlns="" xmlns:a16="http://schemas.microsoft.com/office/drawing/2014/main" id="{17FD5A9C-AA57-42B9-8F69-29229E6D0F9D}"/>
               </a:ext>
             </a:extLst>
           </p:cNvPr>
@@ -9496,13 +8430,13 @@
         </p:nvSpPr>
         <p:spPr>
           <a:xfrm>
-            <a:off x="388477" y="1935879"/>
-            <a:ext cx="11350868" cy="4352701"/>
+            <a:off x="244930" y="1338944"/>
+            <a:ext cx="3208563" cy="5216977"/>
           </a:xfrm>
         </p:spPr>
         <p:txBody>
           <a:bodyPr>
-            <a:normAutofit/>
+            <a:normAutofit fontScale="92500" lnSpcReduction="20000"/>
           </a:bodyPr>
           <a:lstStyle/>
           <a:p>
@@ -9510,104 +8444,200 @@
               <a:buNone/>
             </a:pPr>
             <a:r>
-              <a:rPr lang="ru-RU" sz="2200" dirty="0"/>
-              <a:t>Текст</a:t>
+              <a:rPr lang="ru-RU" sz="1700" dirty="0" smtClean="0">
+                <a:latin typeface="Times New Roman" panose="02020603050405020304" pitchFamily="18" charset="0"/>
+                <a:cs typeface="Times New Roman" panose="02020603050405020304" pitchFamily="18" charset="0"/>
+              </a:rPr>
+              <a:t>Разведочный анализ данных показал:</a:t>
             </a:r>
           </a:p>
           <a:p>
-            <a:pPr marL="76200" indent="0" algn="just">
-              <a:buNone/>
-            </a:pPr>
-            <a:endParaRPr lang="ru-RU" sz="2200" dirty="0"/>
-          </a:p>
-          <a:p>
-            <a:pPr marL="533400" indent="-457200" algn="just">
-              <a:buFont typeface="+mj-lt"/>
-              <a:buAutoNum type="arabicPeriod"/>
+            <a:pPr>
+              <a:lnSpc>
+                <a:spcPct val="100000"/>
+              </a:lnSpc>
             </a:pPr>
             <a:r>
-              <a:rPr lang="ru-RU" sz="2200" dirty="0"/>
-              <a:t>Список</a:t>
+              <a:rPr lang="ru-RU" sz="1700" dirty="0" err="1" smtClean="0">
+                <a:latin typeface="Times New Roman" panose="02020603050405020304" pitchFamily="18" charset="0"/>
+                <a:cs typeface="Times New Roman" panose="02020603050405020304" pitchFamily="18" charset="0"/>
+              </a:rPr>
+              <a:t>Датасет</a:t>
+            </a:r>
+            <a:r>
+              <a:rPr lang="ru-RU" sz="1700" dirty="0" smtClean="0">
+                <a:latin typeface="Times New Roman" panose="02020603050405020304" pitchFamily="18" charset="0"/>
+                <a:cs typeface="Times New Roman" panose="02020603050405020304" pitchFamily="18" charset="0"/>
+              </a:rPr>
+              <a:t> состоит из 1023 строк и 13 колонок.</a:t>
             </a:r>
           </a:p>
           <a:p>
-            <a:pPr marL="533400" indent="-457200" algn="just">
-              <a:buFont typeface="+mj-lt"/>
-              <a:buAutoNum type="arabicPeriod"/>
+            <a:pPr>
+              <a:lnSpc>
+                <a:spcPct val="100000"/>
+              </a:lnSpc>
             </a:pPr>
             <a:r>
-              <a:rPr lang="ru-RU" sz="2200" dirty="0"/>
-              <a:t>Список</a:t>
+              <a:rPr lang="ru-RU" sz="1700" dirty="0" smtClean="0">
+                <a:latin typeface="Times New Roman" panose="02020603050405020304" pitchFamily="18" charset="0"/>
+                <a:cs typeface="Times New Roman" panose="02020603050405020304" pitchFamily="18" charset="0"/>
+              </a:rPr>
+              <a:t>Пропусков, дубликатов нет.</a:t>
             </a:r>
           </a:p>
           <a:p>
-            <a:pPr marL="533400" indent="-457200" algn="just">
-              <a:buFont typeface="+mj-lt"/>
-              <a:buAutoNum type="arabicPeriod"/>
+            <a:pPr>
+              <a:lnSpc>
+                <a:spcPct val="100000"/>
+              </a:lnSpc>
             </a:pPr>
-            <a:endParaRPr lang="ru-RU" sz="2200" dirty="0"/>
+            <a:r>
+              <a:rPr lang="ru-RU" sz="1700" dirty="0" smtClean="0">
+                <a:latin typeface="Times New Roman" panose="02020603050405020304" pitchFamily="18" charset="0"/>
+                <a:cs typeface="Times New Roman" panose="02020603050405020304" pitchFamily="18" charset="0"/>
+              </a:rPr>
+              <a:t> </a:t>
+            </a:r>
+            <a:r>
+              <a:rPr lang="ru-RU" sz="1700" dirty="0" smtClean="0">
+                <a:latin typeface="Times New Roman" panose="02020603050405020304" pitchFamily="18" charset="0"/>
+                <a:cs typeface="Times New Roman" panose="02020603050405020304" pitchFamily="18" charset="0"/>
+              </a:rPr>
+              <a:t>Распределение большинства переменных близко к нормальному, поверхностная плотность имеет положительную </a:t>
+            </a:r>
+            <a:r>
+              <a:rPr lang="ru-RU" sz="1700" dirty="0" err="1" smtClean="0">
+                <a:latin typeface="Times New Roman" panose="02020603050405020304" pitchFamily="18" charset="0"/>
+                <a:cs typeface="Times New Roman" panose="02020603050405020304" pitchFamily="18" charset="0"/>
+              </a:rPr>
+              <a:t>ассиметрию</a:t>
+            </a:r>
+            <a:r>
+              <a:rPr lang="ru-RU" sz="1700" dirty="0" smtClean="0">
+                <a:latin typeface="Times New Roman" panose="02020603050405020304" pitchFamily="18" charset="0"/>
+                <a:cs typeface="Times New Roman" panose="02020603050405020304" pitchFamily="18" charset="0"/>
+              </a:rPr>
+              <a:t>, наблюдается </a:t>
+            </a:r>
+            <a:r>
+              <a:rPr lang="ru-RU" sz="1700" dirty="0" err="1" smtClean="0">
+                <a:latin typeface="Times New Roman" panose="02020603050405020304" pitchFamily="18" charset="0"/>
+                <a:cs typeface="Times New Roman" panose="02020603050405020304" pitchFamily="18" charset="0"/>
+              </a:rPr>
+              <a:t>бинарность</a:t>
+            </a:r>
+            <a:r>
+              <a:rPr lang="ru-RU" sz="1700" dirty="0" smtClean="0">
+                <a:latin typeface="Times New Roman" panose="02020603050405020304" pitchFamily="18" charset="0"/>
+                <a:cs typeface="Times New Roman" panose="02020603050405020304" pitchFamily="18" charset="0"/>
+              </a:rPr>
+              <a:t> признаков угла </a:t>
+            </a:r>
+            <a:r>
+              <a:rPr lang="ru-RU" sz="1700" dirty="0">
+                <a:latin typeface="Times New Roman" panose="02020603050405020304" pitchFamily="18" charset="0"/>
+                <a:cs typeface="Times New Roman" panose="02020603050405020304" pitchFamily="18" charset="0"/>
+              </a:rPr>
+              <a:t>нашивки </a:t>
+            </a:r>
+            <a:endParaRPr lang="ru-RU" sz="1700" dirty="0" smtClean="0">
+              <a:latin typeface="Times New Roman" panose="02020603050405020304" pitchFamily="18" charset="0"/>
+              <a:cs typeface="Times New Roman" panose="02020603050405020304" pitchFamily="18" charset="0"/>
+            </a:endParaRPr>
           </a:p>
           <a:p>
-            <a:pPr marL="533400" indent="-457200" algn="just">
-              <a:buFont typeface="+mj-lt"/>
-              <a:buAutoNum type="arabicPeriod"/>
-            </a:pPr>
-            <a:endParaRPr lang="ru-RU" sz="2200" dirty="0"/>
-          </a:p>
-          <a:p>
-            <a:pPr algn="just">
-              <a:buFont typeface="Arial" panose="020B0604020202020204" pitchFamily="34" charset="0"/>
-              <a:buChar char="•"/>
+            <a:pPr>
+              <a:lnSpc>
+                <a:spcPct val="100000"/>
+              </a:lnSpc>
             </a:pPr>
             <a:r>
-              <a:rPr lang="ru-RU" sz="2200" dirty="0"/>
-              <a:t>Список</a:t>
+              <a:rPr lang="ru-RU" sz="1700" dirty="0" smtClean="0">
+                <a:latin typeface="Times New Roman" panose="02020603050405020304" pitchFamily="18" charset="0"/>
+                <a:cs typeface="Times New Roman" panose="02020603050405020304" pitchFamily="18" charset="0"/>
+              </a:rPr>
+              <a:t>Отсутствует линейная зависимость между переменными.</a:t>
             </a:r>
           </a:p>
           <a:p>
-            <a:pPr algn="just">
-              <a:buFont typeface="Arial" panose="020B0604020202020204" pitchFamily="34" charset="0"/>
-              <a:buChar char="•"/>
+            <a:pPr marL="76200" indent="0">
+              <a:lnSpc>
+                <a:spcPct val="100000"/>
+              </a:lnSpc>
+              <a:buNone/>
             </a:pPr>
             <a:r>
-              <a:rPr lang="ru-RU" sz="2200" dirty="0"/>
-              <a:t>Список</a:t>
+              <a:rPr lang="ru-RU" sz="1700" dirty="0" smtClean="0">
+                <a:latin typeface="Times New Roman" panose="02020603050405020304" pitchFamily="18" charset="0"/>
+                <a:cs typeface="Times New Roman" panose="02020603050405020304" pitchFamily="18" charset="0"/>
+              </a:rPr>
+              <a:t>Так же была проведена предобработка данных: масштабирование с помощью </a:t>
             </a:r>
+            <a:r>
+              <a:rPr lang="en-US" sz="1700" dirty="0" err="1" smtClean="0">
+                <a:latin typeface="Times New Roman" panose="02020603050405020304" pitchFamily="18" charset="0"/>
+                <a:cs typeface="Times New Roman" panose="02020603050405020304" pitchFamily="18" charset="0"/>
+              </a:rPr>
+              <a:t>MinMaxScaler</a:t>
+            </a:r>
+            <a:r>
+              <a:rPr lang="en-US" sz="1700" dirty="0" smtClean="0">
+                <a:latin typeface="Times New Roman" panose="02020603050405020304" pitchFamily="18" charset="0"/>
+                <a:cs typeface="Times New Roman" panose="02020603050405020304" pitchFamily="18" charset="0"/>
+              </a:rPr>
+              <a:t>, </a:t>
+            </a:r>
+            <a:r>
+              <a:rPr lang="ru-RU" sz="1700" dirty="0" smtClean="0">
+                <a:latin typeface="Times New Roman" panose="02020603050405020304" pitchFamily="18" charset="0"/>
+                <a:cs typeface="Times New Roman" panose="02020603050405020304" pitchFamily="18" charset="0"/>
+              </a:rPr>
+              <a:t>выбросы удалены методом </a:t>
+            </a:r>
+            <a:r>
+              <a:rPr lang="ru-RU" sz="1700" dirty="0" err="1" smtClean="0">
+                <a:latin typeface="Times New Roman" panose="02020603050405020304" pitchFamily="18" charset="0"/>
+                <a:cs typeface="Times New Roman" panose="02020603050405020304" pitchFamily="18" charset="0"/>
+              </a:rPr>
+              <a:t>межквартильного</a:t>
+            </a:r>
+            <a:r>
+              <a:rPr lang="ru-RU" sz="1700" dirty="0" smtClean="0">
+                <a:latin typeface="Times New Roman" panose="02020603050405020304" pitchFamily="18" charset="0"/>
+                <a:cs typeface="Times New Roman" panose="02020603050405020304" pitchFamily="18" charset="0"/>
+              </a:rPr>
+              <a:t> размаха.</a:t>
+            </a:r>
+            <a:endParaRPr lang="ru-RU" sz="1700" dirty="0">
+              <a:latin typeface="Times New Roman" panose="02020603050405020304" pitchFamily="18" charset="0"/>
+              <a:cs typeface="Times New Roman" panose="02020603050405020304" pitchFamily="18" charset="0"/>
+            </a:endParaRPr>
           </a:p>
-        </p:txBody>
-      </p:sp>
-      <p:sp>
-        <p:nvSpPr>
-          <p:cNvPr id="3" name="Текст 2">
-            <a:extLst>
-              <a:ext uri="{FF2B5EF4-FFF2-40B4-BE49-F238E27FC236}">
-                <a16:creationId xmlns:a16="http://schemas.microsoft.com/office/drawing/2014/main" xmlns="" id="{896CC3FE-49DC-4E57-BE64-FC71D0FE5E30}"/>
-              </a:ext>
-            </a:extLst>
-          </p:cNvPr>
-          <p:cNvSpPr>
-            <a:spLocks noGrp="1"/>
-          </p:cNvSpPr>
-          <p:nvPr>
-            <p:ph type="body" idx="2"/>
-          </p:nvPr>
-        </p:nvSpPr>
-        <p:spPr>
-          <a:xfrm>
-            <a:off x="213217" y="1333690"/>
-            <a:ext cx="11350503" cy="600690"/>
-          </a:xfrm>
-        </p:spPr>
-        <p:txBody>
-          <a:bodyPr>
-            <a:normAutofit/>
-          </a:bodyPr>
-          <a:lstStyle/>
           <a:p>
-            <a:r>
-              <a:rPr lang="ru-RU" sz="2600" dirty="0"/>
-              <a:t>Подзаголовок слайда</a:t>
-            </a:r>
+            <a:pPr>
+              <a:lnSpc>
+                <a:spcPct val="100000"/>
+              </a:lnSpc>
+            </a:pPr>
+            <a:endParaRPr lang="ru-RU" sz="1600" dirty="0" smtClean="0">
+              <a:latin typeface="Times New Roman" panose="02020603050405020304" pitchFamily="18" charset="0"/>
+              <a:cs typeface="Times New Roman" panose="02020603050405020304" pitchFamily="18" charset="0"/>
+            </a:endParaRPr>
+          </a:p>
+          <a:p>
+            <a:pPr algn="just"/>
+            <a:endParaRPr lang="ru-RU" sz="1600" dirty="0" smtClean="0">
+              <a:latin typeface="Times New Roman" panose="02020603050405020304" pitchFamily="18" charset="0"/>
+              <a:cs typeface="Times New Roman" panose="02020603050405020304" pitchFamily="18" charset="0"/>
+            </a:endParaRPr>
+          </a:p>
+          <a:p>
+            <a:pPr algn="just"/>
+            <a:endParaRPr lang="ru-RU" sz="1800" dirty="0">
+              <a:latin typeface="Times New Roman" panose="02020603050405020304" pitchFamily="18" charset="0"/>
+              <a:cs typeface="Times New Roman" panose="02020603050405020304" pitchFamily="18" charset="0"/>
+            </a:endParaRPr>
           </a:p>
         </p:txBody>
       </p:sp>
@@ -9616,7 +8646,7 @@
           <p:cNvPr id="4" name="Номер слайда 3">
             <a:extLst>
               <a:ext uri="{FF2B5EF4-FFF2-40B4-BE49-F238E27FC236}">
-                <a16:creationId xmlns:a16="http://schemas.microsoft.com/office/drawing/2014/main" xmlns="" id="{39A68FC8-8839-4BD0-A8B6-0C8B1924A8FB}"/>
+                <a16:creationId xmlns="" xmlns:a16="http://schemas.microsoft.com/office/drawing/2014/main" id="{39A68FC8-8839-4BD0-A8B6-0C8B1924A8FB}"/>
               </a:ext>
             </a:extLst>
           </p:cNvPr>
@@ -9654,7 +8684,7 @@
           <p:cNvPr id="8" name="Группа 7">
             <a:extLst>
               <a:ext uri="{FF2B5EF4-FFF2-40B4-BE49-F238E27FC236}">
-                <a16:creationId xmlns:a16="http://schemas.microsoft.com/office/drawing/2014/main" xmlns="" id="{B431A07B-4120-45A8-87F5-FD0B7543B02C}"/>
+                <a16:creationId xmlns="" xmlns:a16="http://schemas.microsoft.com/office/drawing/2014/main" id="{B431A07B-4120-45A8-87F5-FD0B7543B02C}"/>
               </a:ext>
             </a:extLst>
           </p:cNvPr>
@@ -9674,7 +8704,7 @@
             <p:cNvPr id="9" name="Прямоугольник 8">
               <a:extLst>
                 <a:ext uri="{FF2B5EF4-FFF2-40B4-BE49-F238E27FC236}">
-                  <a16:creationId xmlns:a16="http://schemas.microsoft.com/office/drawing/2014/main" xmlns="" id="{B408C17F-C4A9-45C8-85FF-C29DBCECDC7D}"/>
+                  <a16:creationId xmlns="" xmlns:a16="http://schemas.microsoft.com/office/drawing/2014/main" id="{B408C17F-C4A9-45C8-85FF-C29DBCECDC7D}"/>
                 </a:ext>
               </a:extLst>
             </p:cNvPr>
@@ -9746,7 +8776,7 @@
             <p:cNvPr id="11" name="Прямоугольник 58">
               <a:extLst>
                 <a:ext uri="{FF2B5EF4-FFF2-40B4-BE49-F238E27FC236}">
-                  <a16:creationId xmlns:a16="http://schemas.microsoft.com/office/drawing/2014/main" xmlns="" id="{8A2D04C4-68FF-4B8C-B3A7-621C55C3D8E2}"/>
+                  <a16:creationId xmlns="" xmlns:a16="http://schemas.microsoft.com/office/drawing/2014/main" id="{8A2D04C4-68FF-4B8C-B3A7-621C55C3D8E2}"/>
                 </a:ext>
               </a:extLst>
             </p:cNvPr>
@@ -9883,7 +8913,7 @@
             <p:cNvPr id="12" name="Прямоугольник 58">
               <a:extLst>
                 <a:ext uri="{FF2B5EF4-FFF2-40B4-BE49-F238E27FC236}">
-                  <a16:creationId xmlns:a16="http://schemas.microsoft.com/office/drawing/2014/main" xmlns="" id="{9DDB7652-1549-4D3B-8E35-D14E582606C3}"/>
+                  <a16:creationId xmlns="" xmlns:a16="http://schemas.microsoft.com/office/drawing/2014/main" id="{9DDB7652-1549-4D3B-8E35-D14E582606C3}"/>
                 </a:ext>
               </a:extLst>
             </p:cNvPr>
@@ -10021,6 +9051,125 @@
           </p:txBody>
         </p:sp>
       </p:grpSp>
+      <p:pic>
+        <p:nvPicPr>
+          <p:cNvPr id="5" name="Рисунок 4"/>
+          <p:cNvPicPr>
+            <a:picLocks noChangeAspect="1"/>
+          </p:cNvPicPr>
+          <p:nvPr/>
+        </p:nvPicPr>
+        <p:blipFill>
+          <a:blip r:embed="rId2">
+            <a:extLst>
+              <a:ext uri="{28A0092B-C50C-407E-A947-70E740481C1C}">
+                <a14:useLocalDpi xmlns:a14="http://schemas.microsoft.com/office/drawing/2010/main" val="0"/>
+              </a:ext>
+            </a:extLst>
+          </a:blip>
+          <a:stretch>
+            <a:fillRect/>
+          </a:stretch>
+        </p:blipFill>
+        <p:spPr>
+          <a:xfrm>
+            <a:off x="8050291" y="1338945"/>
+            <a:ext cx="3559133" cy="2868242"/>
+          </a:xfrm>
+          <a:prstGeom prst="rect">
+            <a:avLst/>
+          </a:prstGeom>
+        </p:spPr>
+      </p:pic>
+      <p:pic>
+        <p:nvPicPr>
+          <p:cNvPr id="6" name="Рисунок 5"/>
+          <p:cNvPicPr>
+            <a:picLocks noChangeAspect="1"/>
+          </p:cNvPicPr>
+          <p:nvPr/>
+        </p:nvPicPr>
+        <p:blipFill>
+          <a:blip r:embed="rId3">
+            <a:extLst>
+              <a:ext uri="{28A0092B-C50C-407E-A947-70E740481C1C}">
+                <a14:useLocalDpi xmlns:a14="http://schemas.microsoft.com/office/drawing/2010/main" val="0"/>
+              </a:ext>
+            </a:extLst>
+          </a:blip>
+          <a:stretch>
+            <a:fillRect/>
+          </a:stretch>
+        </p:blipFill>
+        <p:spPr>
+          <a:xfrm>
+            <a:off x="3521527" y="1338945"/>
+            <a:ext cx="4520293" cy="3186648"/>
+          </a:xfrm>
+          <a:prstGeom prst="rect">
+            <a:avLst/>
+          </a:prstGeom>
+        </p:spPr>
+      </p:pic>
+      <p:pic>
+        <p:nvPicPr>
+          <p:cNvPr id="7" name="Рисунок 6"/>
+          <p:cNvPicPr>
+            <a:picLocks noChangeAspect="1"/>
+          </p:cNvPicPr>
+          <p:nvPr/>
+        </p:nvPicPr>
+        <p:blipFill>
+          <a:blip r:embed="rId4">
+            <a:extLst>
+              <a:ext uri="{28A0092B-C50C-407E-A947-70E740481C1C}">
+                <a14:useLocalDpi xmlns:a14="http://schemas.microsoft.com/office/drawing/2010/main" val="0"/>
+              </a:ext>
+            </a:extLst>
+          </a:blip>
+          <a:stretch>
+            <a:fillRect/>
+          </a:stretch>
+        </p:blipFill>
+        <p:spPr>
+          <a:xfrm>
+            <a:off x="3521527" y="4525594"/>
+            <a:ext cx="3222855" cy="2185450"/>
+          </a:xfrm>
+          <a:prstGeom prst="rect">
+            <a:avLst/>
+          </a:prstGeom>
+        </p:spPr>
+      </p:pic>
+      <p:pic>
+        <p:nvPicPr>
+          <p:cNvPr id="14" name="Рисунок 13"/>
+          <p:cNvPicPr>
+            <a:picLocks noChangeAspect="1"/>
+          </p:cNvPicPr>
+          <p:nvPr/>
+        </p:nvPicPr>
+        <p:blipFill rotWithShape="1">
+          <a:blip r:embed="rId5">
+            <a:extLst>
+              <a:ext uri="{28A0092B-C50C-407E-A947-70E740481C1C}">
+                <a14:useLocalDpi xmlns:a14="http://schemas.microsoft.com/office/drawing/2010/main" val="0"/>
+              </a:ext>
+            </a:extLst>
+          </a:blip>
+          <a:srcRect l="33116" r="-4436"/>
+          <a:stretch/>
+        </p:blipFill>
+        <p:spPr>
+          <a:xfrm>
+            <a:off x="6744382" y="4085671"/>
+            <a:ext cx="5187725" cy="2625373"/>
+          </a:xfrm>
+          <a:prstGeom prst="rect">
+            <a:avLst/>
+          </a:prstGeom>
+        </p:spPr>
+      </p:pic>
     </p:spTree>
     <p:extLst>
       <p:ext uri="{BB962C8B-B14F-4D97-AF65-F5344CB8AC3E}">
@@ -10039,6 +9188,13 @@
       <p:transition/>
     </mc:Fallback>
   </mc:AlternateContent>
+  <p:timing>
+    <p:tnLst>
+      <p:par>
+        <p:cTn id="1" dur="indefinite" restart="never" nodeType="tmRoot"/>
+      </p:par>
+    </p:tnLst>
+  </p:timing>
 </p:sld>
 </file>
 
@@ -10064,7 +9220,7 @@
           <p:cNvPr id="8" name="Номер слайда 3">
             <a:extLst>
               <a:ext uri="{FF2B5EF4-FFF2-40B4-BE49-F238E27FC236}">
-                <a16:creationId xmlns:a16="http://schemas.microsoft.com/office/drawing/2014/main" xmlns="" id="{542A9EF0-C372-49E0-A6DB-C1F10C19AABF}"/>
+                <a16:creationId xmlns="" xmlns:a16="http://schemas.microsoft.com/office/drawing/2014/main" id="{542A9EF0-C372-49E0-A6DB-C1F10C19AABF}"/>
               </a:ext>
             </a:extLst>
           </p:cNvPr>
@@ -10107,7 +9263,7 @@
           <p:cNvPr id="9" name="Google Shape;173;p7">
             <a:extLst>
               <a:ext uri="{FF2B5EF4-FFF2-40B4-BE49-F238E27FC236}">
-                <a16:creationId xmlns:a16="http://schemas.microsoft.com/office/drawing/2014/main" xmlns="" id="{A67C8FEC-09C6-468D-9E95-239BC9E9DFA0}"/>
+                <a16:creationId xmlns="" xmlns:a16="http://schemas.microsoft.com/office/drawing/2014/main" id="{A67C8FEC-09C6-468D-9E95-239BC9E9DFA0}"/>
               </a:ext>
             </a:extLst>
           </p:cNvPr>
@@ -10116,8 +9272,8 @@
         </p:nvSpPr>
         <p:spPr>
           <a:xfrm>
-            <a:off x="461150" y="2048680"/>
-            <a:ext cx="6991225" cy="4354199"/>
+            <a:off x="248879" y="1330222"/>
+            <a:ext cx="4715007" cy="5454299"/>
           </a:xfrm>
           <a:prstGeom prst="rect">
             <a:avLst/>
@@ -10128,470 +9284,308 @@
           </a:ln>
         </p:spPr>
         <p:txBody>
-          <a:bodyPr spcFirstLastPara="1" wrap="square" lIns="76725" tIns="38350" rIns="76725" bIns="38350" anchor="t" anchorCtr="0">
+          <a:bodyPr spcFirstLastPara="1" wrap="square" lIns="72000" tIns="38350" rIns="76725" bIns="38350" anchor="t" anchorCtr="0">
             <a:noAutofit/>
           </a:bodyPr>
           <a:lstStyle/>
           <a:p>
-            <a:pPr marL="0" marR="0" lvl="0" indent="0" rtl="0">
+            <a:pPr lvl="0">
               <a:lnSpc>
                 <a:spcPct val="90000"/>
               </a:lnSpc>
-              <a:spcBef>
-                <a:spcPts val="0"/>
-              </a:spcBef>
-              <a:spcAft>
-                <a:spcPts val="0"/>
-              </a:spcAft>
-              <a:buClr>
-                <a:srgbClr val="000000"/>
-              </a:buClr>
               <a:buSzPts val="2700"/>
-              <a:buFont typeface="Arial"/>
-              <a:buNone/>
             </a:pPr>
             <a:r>
-              <a:rPr lang="ru-RU" sz="2200" dirty="0">
+              <a:rPr lang="ru-RU" sz="1800" dirty="0" smtClean="0">
                 <a:solidFill>
                   <a:srgbClr val="272727"/>
                 </a:solidFill>
-                <a:latin typeface="+mn-lt"/>
+                <a:latin typeface="Times New Roman" panose="02020603050405020304" pitchFamily="18" charset="0"/>
                 <a:ea typeface="Open Sans"/>
-                <a:cs typeface="ALS Sector Regular" panose="02000000000000000000" pitchFamily="2" charset="0"/>
+                <a:cs typeface="Times New Roman" panose="02020603050405020304" pitchFamily="18" charset="0"/>
                 <a:sym typeface="Open Sans"/>
               </a:rPr>
-              <a:t>Текст слайда</a:t>
+              <a:t>Разработка </a:t>
             </a:r>
-            <a:endParaRPr lang="ru-RU" sz="2200" dirty="0">
+            <a:r>
+              <a:rPr lang="ru-RU" sz="1800" dirty="0">
+                <a:solidFill>
+                  <a:srgbClr val="272727"/>
+                </a:solidFill>
+                <a:latin typeface="Times New Roman" panose="02020603050405020304" pitchFamily="18" charset="0"/>
+                <a:ea typeface="Open Sans"/>
+                <a:cs typeface="Times New Roman" panose="02020603050405020304" pitchFamily="18" charset="0"/>
+                <a:sym typeface="Open Sans"/>
+              </a:rPr>
+              <a:t>и обучение моделей машинного обучения осуществлялась для двух выходных параметров: «Прочность при растяжении» и «Модуль упругости при растяжении» </a:t>
+            </a:r>
+            <a:r>
+              <a:rPr lang="ru-RU" sz="1800" dirty="0" smtClean="0">
+                <a:solidFill>
+                  <a:srgbClr val="272727"/>
+                </a:solidFill>
+                <a:latin typeface="Times New Roman" panose="02020603050405020304" pitchFamily="18" charset="0"/>
+                <a:ea typeface="Open Sans"/>
+                <a:cs typeface="Times New Roman" panose="02020603050405020304" pitchFamily="18" charset="0"/>
+                <a:sym typeface="Open Sans"/>
+              </a:rPr>
+              <a:t>отдельно.</a:t>
+            </a:r>
+          </a:p>
+          <a:p>
+            <a:pPr lvl="0">
+              <a:lnSpc>
+                <a:spcPct val="90000"/>
+              </a:lnSpc>
+              <a:buSzPts val="2700"/>
+            </a:pPr>
+            <a:endParaRPr lang="ru-RU" sz="1800" dirty="0" smtClean="0">
+              <a:solidFill>
+                <a:srgbClr val="272727"/>
+              </a:solidFill>
+              <a:latin typeface="Times New Roman" panose="02020603050405020304" pitchFamily="18" charset="0"/>
+              <a:ea typeface="Open Sans"/>
+              <a:cs typeface="Times New Roman" panose="02020603050405020304" pitchFamily="18" charset="0"/>
+              <a:sym typeface="Open Sans"/>
+            </a:endParaRPr>
+          </a:p>
+          <a:p>
+            <a:pPr lvl="0">
+              <a:lnSpc>
+                <a:spcPct val="90000"/>
+              </a:lnSpc>
+              <a:buSzPts val="2700"/>
+            </a:pPr>
+            <a:r>
+              <a:rPr lang="ru-RU" sz="1800" dirty="0" smtClean="0">
+                <a:solidFill>
+                  <a:srgbClr val="272727"/>
+                </a:solidFill>
+                <a:latin typeface="Times New Roman" panose="02020603050405020304" pitchFamily="18" charset="0"/>
+                <a:ea typeface="Open Sans"/>
+                <a:cs typeface="Times New Roman" panose="02020603050405020304" pitchFamily="18" charset="0"/>
+                <a:sym typeface="Open Sans"/>
+              </a:rPr>
+              <a:t>Было выбрано 6 разных моделей регрессии, </a:t>
+            </a:r>
+            <a:r>
+              <a:rPr lang="ru-RU" sz="1800" dirty="0" err="1" smtClean="0">
+                <a:solidFill>
+                  <a:srgbClr val="272727"/>
+                </a:solidFill>
+                <a:latin typeface="Times New Roman" panose="02020603050405020304" pitchFamily="18" charset="0"/>
+                <a:ea typeface="Open Sans"/>
+                <a:cs typeface="Times New Roman" panose="02020603050405020304" pitchFamily="18" charset="0"/>
+                <a:sym typeface="Open Sans"/>
+              </a:rPr>
+              <a:t>датасет</a:t>
+            </a:r>
+            <a:r>
+              <a:rPr lang="ru-RU" sz="1800" dirty="0" smtClean="0">
+                <a:solidFill>
+                  <a:srgbClr val="272727"/>
+                </a:solidFill>
+                <a:latin typeface="Times New Roman" panose="02020603050405020304" pitchFamily="18" charset="0"/>
+                <a:ea typeface="Open Sans"/>
+                <a:cs typeface="Times New Roman" panose="02020603050405020304" pitchFamily="18" charset="0"/>
+                <a:sym typeface="Open Sans"/>
+              </a:rPr>
+              <a:t> разделен на обучающую и тренировочную выборки в пропорции 70/30.</a:t>
+            </a:r>
+          </a:p>
+          <a:p>
+            <a:pPr lvl="0">
+              <a:lnSpc>
+                <a:spcPct val="90000"/>
+              </a:lnSpc>
+              <a:buSzPts val="2700"/>
+            </a:pPr>
+            <a:r>
+              <a:rPr lang="ru-RU" sz="1800" dirty="0" smtClean="0">
+                <a:solidFill>
+                  <a:srgbClr val="272727"/>
+                </a:solidFill>
+                <a:latin typeface="Times New Roman" panose="02020603050405020304" pitchFamily="18" charset="0"/>
+                <a:ea typeface="Open Sans"/>
+                <a:cs typeface="Times New Roman" panose="02020603050405020304" pitchFamily="18" charset="0"/>
+                <a:sym typeface="Open Sans"/>
+              </a:rPr>
+              <a:t>Поиск </a:t>
+            </a:r>
+            <a:r>
+              <a:rPr lang="ru-RU" sz="1800" dirty="0" err="1" smtClean="0">
+                <a:solidFill>
+                  <a:srgbClr val="272727"/>
+                </a:solidFill>
+                <a:latin typeface="Times New Roman" panose="02020603050405020304" pitchFamily="18" charset="0"/>
+                <a:ea typeface="Open Sans"/>
+                <a:cs typeface="Times New Roman" panose="02020603050405020304" pitchFamily="18" charset="0"/>
+                <a:sym typeface="Open Sans"/>
+              </a:rPr>
+              <a:t>гиперпараметров</a:t>
+            </a:r>
+            <a:r>
+              <a:rPr lang="ru-RU" sz="1800" dirty="0" smtClean="0">
+                <a:solidFill>
+                  <a:srgbClr val="272727"/>
+                </a:solidFill>
+                <a:latin typeface="Times New Roman" panose="02020603050405020304" pitchFamily="18" charset="0"/>
+                <a:ea typeface="Open Sans"/>
+                <a:cs typeface="Times New Roman" panose="02020603050405020304" pitchFamily="18" charset="0"/>
+                <a:sym typeface="Open Sans"/>
+              </a:rPr>
+              <a:t> с помощью выбора по сетке и перекрестная проверка.</a:t>
+            </a:r>
+          </a:p>
+          <a:p>
+            <a:pPr lvl="0">
+              <a:lnSpc>
+                <a:spcPct val="90000"/>
+              </a:lnSpc>
+              <a:buSzPts val="2700"/>
+            </a:pPr>
+            <a:r>
+              <a:rPr lang="ru-RU" sz="1800" dirty="0" smtClean="0">
+                <a:solidFill>
+                  <a:srgbClr val="272727"/>
+                </a:solidFill>
+                <a:latin typeface="Times New Roman" panose="02020603050405020304" pitchFamily="18" charset="0"/>
+                <a:ea typeface="Open Sans"/>
+                <a:cs typeface="Times New Roman" panose="02020603050405020304" pitchFamily="18" charset="0"/>
+                <a:sym typeface="Open Sans"/>
+              </a:rPr>
+              <a:t>В качестве метрик были выбраны </a:t>
+            </a:r>
+            <a:r>
+              <a:rPr lang="en-US" sz="1800" dirty="0" smtClean="0">
+                <a:solidFill>
+                  <a:srgbClr val="272727"/>
+                </a:solidFill>
+                <a:latin typeface="Times New Roman" panose="02020603050405020304" pitchFamily="18" charset="0"/>
+                <a:ea typeface="Open Sans"/>
+                <a:cs typeface="Times New Roman" panose="02020603050405020304" pitchFamily="18" charset="0"/>
+                <a:sym typeface="Open Sans"/>
+              </a:rPr>
+              <a:t>MAE, MSE, R^2.</a:t>
+            </a:r>
+            <a:endParaRPr lang="ru-RU" sz="1800" dirty="0" smtClean="0">
+              <a:solidFill>
+                <a:srgbClr val="272727"/>
+              </a:solidFill>
+              <a:latin typeface="Times New Roman" panose="02020603050405020304" pitchFamily="18" charset="0"/>
+              <a:ea typeface="Open Sans"/>
+              <a:cs typeface="Times New Roman" panose="02020603050405020304" pitchFamily="18" charset="0"/>
+              <a:sym typeface="Open Sans"/>
+            </a:endParaRPr>
+          </a:p>
+          <a:p>
+            <a:pPr lvl="0">
+              <a:lnSpc>
+                <a:spcPct val="90000"/>
+              </a:lnSpc>
+              <a:buSzPts val="2700"/>
+            </a:pPr>
+            <a:endParaRPr lang="ru-RU" sz="1800" dirty="0">
+              <a:solidFill>
+                <a:srgbClr val="272727"/>
+              </a:solidFill>
+              <a:latin typeface="Times New Roman" panose="02020603050405020304" pitchFamily="18" charset="0"/>
+              <a:ea typeface="Open Sans"/>
+              <a:cs typeface="Times New Roman" panose="02020603050405020304" pitchFamily="18" charset="0"/>
+              <a:sym typeface="Open Sans"/>
+            </a:endParaRPr>
+          </a:p>
+          <a:p>
+            <a:pPr lvl="0">
+              <a:lnSpc>
+                <a:spcPct val="90000"/>
+              </a:lnSpc>
+              <a:buSzPts val="2700"/>
+            </a:pPr>
+            <a:r>
+              <a:rPr lang="ru-RU" sz="1800" dirty="0" smtClean="0">
+                <a:solidFill>
+                  <a:srgbClr val="272727"/>
+                </a:solidFill>
+                <a:latin typeface="Times New Roman" panose="02020603050405020304" pitchFamily="18" charset="0"/>
+                <a:ea typeface="Open Sans"/>
+                <a:cs typeface="Times New Roman" panose="02020603050405020304" pitchFamily="18" charset="0"/>
+                <a:sym typeface="Open Sans"/>
+              </a:rPr>
+              <a:t>В </a:t>
+            </a:r>
+            <a:r>
+              <a:rPr lang="ru-RU" sz="1800" dirty="0">
+                <a:solidFill>
+                  <a:srgbClr val="272727"/>
+                </a:solidFill>
+                <a:latin typeface="Times New Roman" panose="02020603050405020304" pitchFamily="18" charset="0"/>
+                <a:ea typeface="Open Sans"/>
+                <a:cs typeface="Times New Roman" panose="02020603050405020304" pitchFamily="18" charset="0"/>
+                <a:sym typeface="Open Sans"/>
+              </a:rPr>
+              <a:t>р</a:t>
+            </a:r>
+            <a:r>
+              <a:rPr lang="ru-RU" sz="1800" dirty="0" smtClean="0">
+                <a:solidFill>
+                  <a:srgbClr val="272727"/>
+                </a:solidFill>
+                <a:latin typeface="Times New Roman" panose="02020603050405020304" pitchFamily="18" charset="0"/>
+                <a:ea typeface="Open Sans"/>
+                <a:cs typeface="Times New Roman" panose="02020603050405020304" pitchFamily="18" charset="0"/>
+                <a:sym typeface="Open Sans"/>
+              </a:rPr>
+              <a:t>езультате все модели показали неудовлетворительный результат, предсказываемые значения сопоставимы со средними.</a:t>
+            </a:r>
+            <a:endParaRPr lang="ru-RU" sz="1800" dirty="0">
               <a:solidFill>
                 <a:srgbClr val="262626"/>
               </a:solidFill>
-              <a:latin typeface="+mn-lt"/>
+              <a:latin typeface="Times New Roman" panose="02020603050405020304" pitchFamily="18" charset="0"/>
               <a:ea typeface="Open Sans"/>
-              <a:cs typeface="ALS Sector Regular" panose="02000000000000000000" pitchFamily="2" charset="0"/>
+              <a:cs typeface="Times New Roman" panose="02020603050405020304" pitchFamily="18" charset="0"/>
               <a:sym typeface="Open Sans"/>
             </a:endParaRPr>
           </a:p>
         </p:txBody>
       </p:sp>
-      <p:sp>
-        <p:nvSpPr>
-          <p:cNvPr id="21" name="Текст 2">
+      <p:pic>
+        <p:nvPicPr>
+          <p:cNvPr id="2" name="Рисунок 1"/>
+          <p:cNvPicPr>
+            <a:picLocks noChangeAspect="1"/>
+          </p:cNvPicPr>
+          <p:nvPr/>
+        </p:nvPicPr>
+        <p:blipFill>
+          <a:blip r:embed="rId2">
             <a:extLst>
-              <a:ext uri="{FF2B5EF4-FFF2-40B4-BE49-F238E27FC236}">
-                <a16:creationId xmlns:a16="http://schemas.microsoft.com/office/drawing/2014/main" xmlns="" id="{5A8999A3-76FB-4548-86BA-DAD9E574E770}"/>
+              <a:ext uri="{28A0092B-C50C-407E-A947-70E740481C1C}">
+                <a14:useLocalDpi xmlns:a14="http://schemas.microsoft.com/office/drawing/2010/main" val="0"/>
               </a:ext>
             </a:extLst>
-          </p:cNvPr>
-          <p:cNvSpPr txBox="1">
-            <a:spLocks/>
-          </p:cNvSpPr>
-          <p:nvPr/>
-        </p:nvSpPr>
+          </a:blip>
+          <a:stretch>
+            <a:fillRect/>
+          </a:stretch>
+        </p:blipFill>
         <p:spPr>
           <a:xfrm>
-            <a:off x="224647" y="1333690"/>
-            <a:ext cx="7119143" cy="600690"/>
+            <a:off x="5151664" y="902645"/>
+            <a:ext cx="6860002" cy="3937756"/>
           </a:xfrm>
           <a:prstGeom prst="rect">
             <a:avLst/>
           </a:prstGeom>
-          <a:noFill/>
-          <a:ln>
-            <a:noFill/>
-          </a:ln>
         </p:spPr>
-        <p:txBody>
-          <a:bodyPr spcFirstLastPara="1" wrap="square" lIns="91425" tIns="45700" rIns="91425" bIns="45700" anchor="t" anchorCtr="0">
-            <a:normAutofit/>
-          </a:bodyPr>
-          <a:lstStyle>
-            <a:defPPr marR="0" lvl="0" algn="l" rtl="0">
-              <a:lnSpc>
-                <a:spcPct val="100000"/>
-              </a:lnSpc>
-              <a:spcBef>
-                <a:spcPts val="0"/>
-              </a:spcBef>
-              <a:spcAft>
-                <a:spcPts val="0"/>
-              </a:spcAft>
-            </a:defPPr>
-            <a:lvl1pPr marL="457200" marR="0" lvl="0" indent="-228600" algn="l" rtl="0">
-              <a:lnSpc>
-                <a:spcPct val="90000"/>
-              </a:lnSpc>
-              <a:spcBef>
-                <a:spcPts val="750"/>
-              </a:spcBef>
-              <a:spcAft>
-                <a:spcPts val="0"/>
-              </a:spcAft>
-              <a:buClr>
-                <a:schemeClr val="accent1"/>
-              </a:buClr>
-              <a:buSzPts val="3200"/>
-              <a:buFont typeface="Noto Sans Symbols"/>
-              <a:buNone/>
-              <a:defRPr sz="2700" b="0" i="0" u="none" strike="noStrike" cap="none" baseline="0">
-                <a:solidFill>
-                  <a:srgbClr val="F1BE29"/>
-                </a:solidFill>
-                <a:latin typeface="ALS Sector Regular" panose="02000000000000000000" pitchFamily="2" charset="0"/>
-                <a:ea typeface="Open Sans"/>
-                <a:cs typeface="ALS Sector Regular" panose="02000000000000000000" pitchFamily="2" charset="0"/>
-                <a:sym typeface="Open Sans"/>
-              </a:defRPr>
-            </a:lvl1pPr>
-            <a:lvl2pPr marL="914400" marR="0" lvl="1" indent="-228600" algn="l" rtl="0">
-              <a:lnSpc>
-                <a:spcPct val="90000"/>
-              </a:lnSpc>
-              <a:spcBef>
-                <a:spcPts val="375"/>
-              </a:spcBef>
-              <a:spcAft>
-                <a:spcPts val="0"/>
-              </a:spcAft>
-              <a:buClr>
-                <a:schemeClr val="accent1"/>
-              </a:buClr>
-              <a:buSzPts val="2000"/>
-              <a:buFont typeface="Noto Sans Symbols"/>
-              <a:buNone/>
-              <a:defRPr sz="2000" b="0" i="0" u="none" strike="noStrike" cap="none">
-                <a:solidFill>
-                  <a:srgbClr val="262626"/>
-                </a:solidFill>
-                <a:latin typeface="Open Sans"/>
-                <a:ea typeface="Open Sans"/>
-                <a:cs typeface="Open Sans"/>
-                <a:sym typeface="Open Sans"/>
-              </a:defRPr>
-            </a:lvl2pPr>
-            <a:lvl3pPr marL="1371600" marR="0" lvl="2" indent="-342900" algn="l" rtl="0">
-              <a:lnSpc>
-                <a:spcPct val="90000"/>
-              </a:lnSpc>
-              <a:spcBef>
-                <a:spcPts val="375"/>
-              </a:spcBef>
-              <a:spcAft>
-                <a:spcPts val="0"/>
-              </a:spcAft>
-              <a:buClr>
-                <a:schemeClr val="accent1"/>
-              </a:buClr>
-              <a:buSzPts val="1800"/>
-              <a:buFont typeface="Noto Sans Symbols"/>
-              <a:buChar char="▪"/>
-              <a:defRPr sz="1600" b="0" i="0" u="none" strike="noStrike" cap="none">
-                <a:solidFill>
-                  <a:srgbClr val="262626"/>
-                </a:solidFill>
-                <a:latin typeface="Open Sans"/>
-                <a:ea typeface="Open Sans"/>
-                <a:cs typeface="Open Sans"/>
-                <a:sym typeface="Open Sans"/>
-              </a:defRPr>
-            </a:lvl3pPr>
-            <a:lvl4pPr marL="1828800" marR="0" lvl="3" indent="-342900" algn="l" rtl="0">
-              <a:lnSpc>
-                <a:spcPct val="90000"/>
-              </a:lnSpc>
-              <a:spcBef>
-                <a:spcPts val="375"/>
-              </a:spcBef>
-              <a:spcAft>
-                <a:spcPts val="0"/>
-              </a:spcAft>
-              <a:buClr>
-                <a:schemeClr val="accent1"/>
-              </a:buClr>
-              <a:buSzPts val="1800"/>
-              <a:buFont typeface="Noto Sans Symbols"/>
-              <a:buChar char="▪"/>
-              <a:defRPr sz="1400" b="0" i="0" u="none" strike="noStrike" cap="none">
-                <a:solidFill>
-                  <a:srgbClr val="262626"/>
-                </a:solidFill>
-                <a:latin typeface="Open Sans"/>
-                <a:ea typeface="Open Sans"/>
-                <a:cs typeface="Open Sans"/>
-                <a:sym typeface="Open Sans"/>
-              </a:defRPr>
-            </a:lvl4pPr>
-            <a:lvl5pPr marL="2286000" marR="0" lvl="4" indent="-342900" algn="l" rtl="0">
-              <a:lnSpc>
-                <a:spcPct val="90000"/>
-              </a:lnSpc>
-              <a:spcBef>
-                <a:spcPts val="375"/>
-              </a:spcBef>
-              <a:spcAft>
-                <a:spcPts val="0"/>
-              </a:spcAft>
-              <a:buClr>
-                <a:schemeClr val="accent1"/>
-              </a:buClr>
-              <a:buSzPts val="1800"/>
-              <a:buFont typeface="Noto Sans Symbols"/>
-              <a:buChar char="▪"/>
-              <a:defRPr sz="1400" b="0" i="0" u="none" strike="noStrike" cap="none">
-                <a:solidFill>
-                  <a:srgbClr val="262626"/>
-                </a:solidFill>
-                <a:latin typeface="Open Sans"/>
-                <a:ea typeface="Open Sans"/>
-                <a:cs typeface="Open Sans"/>
-                <a:sym typeface="Open Sans"/>
-              </a:defRPr>
-            </a:lvl5pPr>
-            <a:lvl6pPr marL="2743200" marR="0" lvl="5" indent="-342900" algn="l" rtl="0">
-              <a:lnSpc>
-                <a:spcPct val="90000"/>
-              </a:lnSpc>
-              <a:spcBef>
-                <a:spcPts val="375"/>
-              </a:spcBef>
-              <a:spcAft>
-                <a:spcPts val="0"/>
-              </a:spcAft>
-              <a:buClr>
-                <a:schemeClr val="dk1"/>
-              </a:buClr>
-              <a:buSzPts val="1800"/>
-              <a:buFont typeface="Arial"/>
-              <a:buChar char="•"/>
-              <a:defRPr sz="1350" b="0" i="0" u="none" strike="noStrike" cap="none">
-                <a:solidFill>
-                  <a:schemeClr val="dk1"/>
-                </a:solidFill>
-                <a:latin typeface="Open Sans"/>
-                <a:ea typeface="Open Sans"/>
-                <a:cs typeface="Open Sans"/>
-                <a:sym typeface="Open Sans"/>
-              </a:defRPr>
-            </a:lvl6pPr>
-            <a:lvl7pPr marL="3200400" marR="0" lvl="6" indent="-342900" algn="l" rtl="0">
-              <a:lnSpc>
-                <a:spcPct val="90000"/>
-              </a:lnSpc>
-              <a:spcBef>
-                <a:spcPts val="375"/>
-              </a:spcBef>
-              <a:spcAft>
-                <a:spcPts val="0"/>
-              </a:spcAft>
-              <a:buClr>
-                <a:schemeClr val="dk1"/>
-              </a:buClr>
-              <a:buSzPts val="1800"/>
-              <a:buFont typeface="Arial"/>
-              <a:buChar char="•"/>
-              <a:defRPr sz="1350" b="0" i="0" u="none" strike="noStrike" cap="none">
-                <a:solidFill>
-                  <a:schemeClr val="dk1"/>
-                </a:solidFill>
-                <a:latin typeface="Open Sans"/>
-                <a:ea typeface="Open Sans"/>
-                <a:cs typeface="Open Sans"/>
-                <a:sym typeface="Open Sans"/>
-              </a:defRPr>
-            </a:lvl7pPr>
-            <a:lvl8pPr marL="3657600" marR="0" lvl="7" indent="-342900" algn="l" rtl="0">
-              <a:lnSpc>
-                <a:spcPct val="90000"/>
-              </a:lnSpc>
-              <a:spcBef>
-                <a:spcPts val="375"/>
-              </a:spcBef>
-              <a:spcAft>
-                <a:spcPts val="0"/>
-              </a:spcAft>
-              <a:buClr>
-                <a:schemeClr val="dk1"/>
-              </a:buClr>
-              <a:buSzPts val="1800"/>
-              <a:buFont typeface="Arial"/>
-              <a:buChar char="•"/>
-              <a:defRPr sz="1350" b="0" i="0" u="none" strike="noStrike" cap="none">
-                <a:solidFill>
-                  <a:schemeClr val="dk1"/>
-                </a:solidFill>
-                <a:latin typeface="Open Sans"/>
-                <a:ea typeface="Open Sans"/>
-                <a:cs typeface="Open Sans"/>
-                <a:sym typeface="Open Sans"/>
-              </a:defRPr>
-            </a:lvl8pPr>
-            <a:lvl9pPr marL="4114800" marR="0" lvl="8" indent="-342900" algn="l" rtl="0">
-              <a:lnSpc>
-                <a:spcPct val="90000"/>
-              </a:lnSpc>
-              <a:spcBef>
-                <a:spcPts val="375"/>
-              </a:spcBef>
-              <a:spcAft>
-                <a:spcPts val="0"/>
-              </a:spcAft>
-              <a:buClr>
-                <a:schemeClr val="dk1"/>
-              </a:buClr>
-              <a:buSzPts val="1800"/>
-              <a:buFont typeface="Arial"/>
-              <a:buChar char="•"/>
-              <a:defRPr sz="1350" b="0" i="0" u="none" strike="noStrike" cap="none">
-                <a:solidFill>
-                  <a:schemeClr val="dk1"/>
-                </a:solidFill>
-                <a:latin typeface="Open Sans"/>
-                <a:ea typeface="Open Sans"/>
-                <a:cs typeface="Open Sans"/>
-                <a:sym typeface="Open Sans"/>
-              </a:defRPr>
-            </a:lvl9pPr>
-          </a:lstStyle>
-          <a:p>
-            <a:r>
-              <a:rPr lang="ru-RU" sz="2600" dirty="0"/>
-              <a:t>Подзаголовок</a:t>
-            </a:r>
-          </a:p>
-        </p:txBody>
-      </p:sp>
-      <p:sp>
-        <p:nvSpPr>
-          <p:cNvPr id="10" name="Google Shape;175;p7">
-            <a:extLst>
-              <a:ext uri="{FF2B5EF4-FFF2-40B4-BE49-F238E27FC236}">
-                <a16:creationId xmlns:a16="http://schemas.microsoft.com/office/drawing/2014/main" xmlns="" id="{D994E922-5550-4F2A-A60A-1EEA834B9ADA}"/>
-              </a:ext>
-            </a:extLst>
-          </p:cNvPr>
-          <p:cNvSpPr/>
-          <p:nvPr/>
-        </p:nvSpPr>
-        <p:spPr>
-          <a:xfrm>
-            <a:off x="8260537" y="1333690"/>
-            <a:ext cx="3470313" cy="4931236"/>
-          </a:xfrm>
-          <a:prstGeom prst="rect">
-            <a:avLst/>
-          </a:prstGeom>
-          <a:solidFill>
-            <a:srgbClr val="F2F2F2"/>
-          </a:solidFill>
-          <a:ln>
-            <a:noFill/>
-          </a:ln>
-        </p:spPr>
-        <p:txBody>
-          <a:bodyPr spcFirstLastPara="1" wrap="square" lIns="91425" tIns="45700" rIns="91425" bIns="45700" anchor="ctr" anchorCtr="0">
-            <a:noAutofit/>
-          </a:bodyPr>
-          <a:lstStyle/>
-          <a:p>
-            <a:pPr marL="0" marR="0" lvl="0" indent="0" algn="ctr" rtl="0">
-              <a:spcBef>
-                <a:spcPts val="0"/>
-              </a:spcBef>
-              <a:spcAft>
-                <a:spcPts val="0"/>
-              </a:spcAft>
-              <a:buNone/>
-            </a:pPr>
-            <a:endParaRPr sz="1500" dirty="0">
-              <a:solidFill>
-                <a:schemeClr val="lt1"/>
-              </a:solidFill>
-              <a:latin typeface="+mn-lt"/>
-              <a:ea typeface="Montserrat"/>
-              <a:cs typeface="Montserrat"/>
-              <a:sym typeface="Montserrat"/>
-            </a:endParaRPr>
-          </a:p>
-        </p:txBody>
-      </p:sp>
-      <p:sp>
-        <p:nvSpPr>
-          <p:cNvPr id="13" name="Google Shape;176;p7">
-            <a:extLst>
-              <a:ext uri="{FF2B5EF4-FFF2-40B4-BE49-F238E27FC236}">
-                <a16:creationId xmlns:a16="http://schemas.microsoft.com/office/drawing/2014/main" xmlns="" id="{0B3AFC7A-2E2A-4CB1-9002-1A72FF0BB58D}"/>
-              </a:ext>
-            </a:extLst>
-          </p:cNvPr>
-          <p:cNvSpPr txBox="1"/>
-          <p:nvPr/>
-        </p:nvSpPr>
-        <p:spPr>
-          <a:xfrm>
-            <a:off x="8162905" y="3001637"/>
-            <a:ext cx="3497460" cy="1437438"/>
-          </a:xfrm>
-          <a:prstGeom prst="rect">
-            <a:avLst/>
-          </a:prstGeom>
-          <a:noFill/>
-          <a:ln>
-            <a:noFill/>
-          </a:ln>
-        </p:spPr>
-        <p:txBody>
-          <a:bodyPr spcFirstLastPara="1" wrap="square" lIns="76725" tIns="38350" rIns="76725" bIns="38350" anchor="t" anchorCtr="0">
-            <a:noAutofit/>
-          </a:bodyPr>
-          <a:lstStyle/>
-          <a:p>
-            <a:pPr marL="0" marR="0" lvl="0" indent="0" algn="ctr" rtl="0">
-              <a:lnSpc>
-                <a:spcPct val="90000"/>
-              </a:lnSpc>
-              <a:spcBef>
-                <a:spcPts val="0"/>
-              </a:spcBef>
-              <a:spcAft>
-                <a:spcPts val="0"/>
-              </a:spcAft>
-              <a:buClr>
-                <a:srgbClr val="000000"/>
-              </a:buClr>
-              <a:buSzPts val="2700"/>
-              <a:buFont typeface="Arial"/>
-              <a:buNone/>
-            </a:pPr>
-            <a:r>
-              <a:rPr lang="ru-RU" sz="2700" b="1" baseline="30000" dirty="0">
-                <a:solidFill>
-                  <a:srgbClr val="000000"/>
-                </a:solidFill>
-                <a:latin typeface="+mn-lt"/>
-                <a:ea typeface="Montserrat"/>
-                <a:cs typeface="Montserrat"/>
-                <a:sym typeface="Montserrat"/>
-              </a:rPr>
-              <a:t>Рисунок</a:t>
-            </a:r>
-            <a:endParaRPr sz="1500" baseline="30000" dirty="0">
-              <a:solidFill>
-                <a:srgbClr val="000000"/>
-              </a:solidFill>
-              <a:latin typeface="+mn-lt"/>
-              <a:ea typeface="Montserrat"/>
-              <a:cs typeface="Montserrat"/>
-              <a:sym typeface="Montserrat"/>
-            </a:endParaRPr>
-          </a:p>
-        </p:txBody>
-      </p:sp>
+      </p:pic>
       <p:grpSp>
         <p:nvGrpSpPr>
           <p:cNvPr id="19" name="Группа 18">
             <a:extLst>
               <a:ext uri="{FF2B5EF4-FFF2-40B4-BE49-F238E27FC236}">
-                <a16:creationId xmlns:a16="http://schemas.microsoft.com/office/drawing/2014/main" xmlns="" id="{68AC1BDB-9797-4A12-B4FC-ED5D4C2B9CD1}"/>
+                <a16:creationId xmlns="" xmlns:a16="http://schemas.microsoft.com/office/drawing/2014/main" id="{68AC1BDB-9797-4A12-B4FC-ED5D4C2B9CD1}"/>
               </a:ext>
             </a:extLst>
           </p:cNvPr>
@@ -10611,7 +9605,7 @@
             <p:cNvPr id="20" name="Прямоугольник 19">
               <a:extLst>
                 <a:ext uri="{FF2B5EF4-FFF2-40B4-BE49-F238E27FC236}">
-                  <a16:creationId xmlns:a16="http://schemas.microsoft.com/office/drawing/2014/main" xmlns="" id="{89C13AD3-6AFD-447D-B4AF-345F80DAE2DD}"/>
+                  <a16:creationId xmlns="" xmlns:a16="http://schemas.microsoft.com/office/drawing/2014/main" id="{89C13AD3-6AFD-447D-B4AF-345F80DAE2DD}"/>
                 </a:ext>
               </a:extLst>
             </p:cNvPr>
@@ -10683,7 +9677,7 @@
             <p:cNvPr id="22" name="Прямоугольник 58">
               <a:extLst>
                 <a:ext uri="{FF2B5EF4-FFF2-40B4-BE49-F238E27FC236}">
-                  <a16:creationId xmlns:a16="http://schemas.microsoft.com/office/drawing/2014/main" xmlns="" id="{6B9297EB-1310-4C5F-A390-8C10AE4D1F31}"/>
+                  <a16:creationId xmlns="" xmlns:a16="http://schemas.microsoft.com/office/drawing/2014/main" id="{6B9297EB-1310-4C5F-A390-8C10AE4D1F31}"/>
                 </a:ext>
               </a:extLst>
             </p:cNvPr>
@@ -10820,7 +9814,7 @@
             <p:cNvPr id="23" name="Прямоугольник 58">
               <a:extLst>
                 <a:ext uri="{FF2B5EF4-FFF2-40B4-BE49-F238E27FC236}">
-                  <a16:creationId xmlns:a16="http://schemas.microsoft.com/office/drawing/2014/main" xmlns="" id="{2A56CCB7-652F-4E87-98F1-EB2990DFF5AA}"/>
+                  <a16:creationId xmlns="" xmlns:a16="http://schemas.microsoft.com/office/drawing/2014/main" id="{2A56CCB7-652F-4E87-98F1-EB2990DFF5AA}"/>
                 </a:ext>
               </a:extLst>
             </p:cNvPr>
@@ -10958,6 +9952,36 @@
           </p:txBody>
         </p:sp>
       </p:grpSp>
+      <p:pic>
+        <p:nvPicPr>
+          <p:cNvPr id="3" name="Рисунок 2"/>
+          <p:cNvPicPr>
+            <a:picLocks noChangeAspect="1"/>
+          </p:cNvPicPr>
+          <p:nvPr/>
+        </p:nvPicPr>
+        <p:blipFill>
+          <a:blip r:embed="rId3">
+            <a:extLst>
+              <a:ext uri="{28A0092B-C50C-407E-A947-70E740481C1C}">
+                <a14:useLocalDpi xmlns:a14="http://schemas.microsoft.com/office/drawing/2010/main" val="0"/>
+              </a:ext>
+            </a:extLst>
+          </a:blip>
+          <a:stretch>
+            <a:fillRect/>
+          </a:stretch>
+        </p:blipFill>
+        <p:spPr>
+          <a:xfrm>
+            <a:off x="5151664" y="4895170"/>
+            <a:ext cx="4720453" cy="1889351"/>
+          </a:xfrm>
+          <a:prstGeom prst="rect">
+            <a:avLst/>
+          </a:prstGeom>
+        </p:spPr>
+      </p:pic>
     </p:spTree>
     <p:extLst>
       <p:ext uri="{BB962C8B-B14F-4D97-AF65-F5344CB8AC3E}">
@@ -10976,6 +10000,13 @@
       <p:transition/>
     </mc:Fallback>
   </mc:AlternateContent>
+  <p:timing>
+    <p:tnLst>
+      <p:par>
+        <p:cTn id="1" dur="indefinite" restart="never" nodeType="tmRoot"/>
+      </p:par>
+    </p:tnLst>
+  </p:timing>
 </p:sld>
 </file>
 
@@ -10998,138 +10029,10 @@
       </p:grpSpPr>
       <p:sp>
         <p:nvSpPr>
-          <p:cNvPr id="8" name="Google Shape;210;p9">
-            <a:extLst>
-              <a:ext uri="{FF2B5EF4-FFF2-40B4-BE49-F238E27FC236}">
-                <a16:creationId xmlns:a16="http://schemas.microsoft.com/office/drawing/2014/main" xmlns="" id="{A399EAE0-0E1E-4B54-8527-D2B3D6A61C27}"/>
-              </a:ext>
-            </a:extLst>
-          </p:cNvPr>
-          <p:cNvSpPr txBox="1">
-            <a:spLocks noGrp="1"/>
-          </p:cNvSpPr>
-          <p:nvPr>
-            <p:ph type="body" idx="1"/>
-          </p:nvPr>
-        </p:nvSpPr>
-        <p:spPr>
-          <a:xfrm>
-            <a:off x="971561" y="4634530"/>
-            <a:ext cx="10823324" cy="1214916"/>
-          </a:xfrm>
-          <a:prstGeom prst="rect">
-            <a:avLst/>
-          </a:prstGeom>
-          <a:noFill/>
-          <a:ln>
-            <a:noFill/>
-          </a:ln>
-        </p:spPr>
-        <p:txBody>
-          <a:bodyPr spcFirstLastPara="1" wrap="square" lIns="76725" tIns="38350" rIns="76725" bIns="38350" anchor="t" anchorCtr="0">
-            <a:noAutofit/>
-          </a:bodyPr>
-          <a:lstStyle/>
-          <a:p>
-            <a:pPr marL="0" lvl="0" indent="0" rtl="0">
-              <a:lnSpc>
-                <a:spcPct val="90000"/>
-              </a:lnSpc>
-              <a:spcBef>
-                <a:spcPts val="0"/>
-              </a:spcBef>
-              <a:spcAft>
-                <a:spcPts val="0"/>
-              </a:spcAft>
-              <a:buClr>
-                <a:srgbClr val="888888"/>
-              </a:buClr>
-              <a:buSzPts val="1600"/>
-              <a:buNone/>
-            </a:pPr>
-            <a:r>
-              <a:rPr lang="ru-RU" sz="2200" b="1" dirty="0">
-                <a:sym typeface="Arial"/>
-              </a:rPr>
-              <a:t>Описание графика</a:t>
-            </a:r>
-            <a:endParaRPr sz="2200" b="1" dirty="0">
-              <a:sym typeface="Arial"/>
-            </a:endParaRPr>
-          </a:p>
-          <a:p>
-            <a:pPr marL="0" lvl="0" indent="0" algn="just" rtl="0">
-              <a:lnSpc>
-                <a:spcPct val="90000"/>
-              </a:lnSpc>
-              <a:spcBef>
-                <a:spcPts val="839"/>
-              </a:spcBef>
-              <a:spcAft>
-                <a:spcPts val="0"/>
-              </a:spcAft>
-              <a:buClr>
-                <a:srgbClr val="888888"/>
-              </a:buClr>
-              <a:buSzPts val="1600"/>
-              <a:buNone/>
-            </a:pPr>
-            <a:r>
-              <a:rPr lang="ru-RU" sz="2200" dirty="0">
-                <a:sym typeface="Arial"/>
-              </a:rPr>
-              <a:t>Описание графика</a:t>
-            </a:r>
-            <a:endParaRPr lang="en-US" sz="2200" dirty="0">
-              <a:sym typeface="Arial"/>
-            </a:endParaRPr>
-          </a:p>
-          <a:p>
-            <a:pPr marL="0" indent="0" algn="just">
-              <a:spcBef>
-                <a:spcPts val="839"/>
-              </a:spcBef>
-              <a:buClr>
-                <a:srgbClr val="888888"/>
-              </a:buClr>
-              <a:buSzPts val="1600"/>
-              <a:buNone/>
-            </a:pPr>
-            <a:r>
-              <a:rPr lang="ru-RU" sz="2200" dirty="0">
-                <a:sym typeface="Arial"/>
-              </a:rPr>
-              <a:t>Описание графика</a:t>
-            </a:r>
-            <a:endParaRPr lang="ru-RU" sz="2200" dirty="0"/>
-          </a:p>
-          <a:p>
-            <a:pPr marL="0" lvl="0" indent="0" algn="just" rtl="0">
-              <a:lnSpc>
-                <a:spcPct val="90000"/>
-              </a:lnSpc>
-              <a:spcBef>
-                <a:spcPts val="839"/>
-              </a:spcBef>
-              <a:spcAft>
-                <a:spcPts val="0"/>
-              </a:spcAft>
-              <a:buClr>
-                <a:srgbClr val="888888"/>
-              </a:buClr>
-              <a:buSzPts val="1600"/>
-              <a:buNone/>
-            </a:pPr>
-            <a:endParaRPr dirty="0"/>
-          </a:p>
-        </p:txBody>
-      </p:sp>
-      <p:sp>
-        <p:nvSpPr>
           <p:cNvPr id="4" name="Номер слайда 3">
             <a:extLst>
               <a:ext uri="{FF2B5EF4-FFF2-40B4-BE49-F238E27FC236}">
-                <a16:creationId xmlns:a16="http://schemas.microsoft.com/office/drawing/2014/main" xmlns="" id="{06555008-558A-4705-ADA6-A99A535D9A16}"/>
+                <a16:creationId xmlns="" xmlns:a16="http://schemas.microsoft.com/office/drawing/2014/main" id="{06555008-558A-4705-ADA6-A99A535D9A16}"/>
               </a:ext>
             </a:extLst>
           </p:cNvPr>
@@ -11162,142 +10065,12 @@
           </a:p>
         </p:txBody>
       </p:sp>
-      <p:cxnSp>
-        <p:nvCxnSpPr>
-          <p:cNvPr id="9" name="Google Shape;213;p9">
-            <a:extLst>
-              <a:ext uri="{FF2B5EF4-FFF2-40B4-BE49-F238E27FC236}">
-                <a16:creationId xmlns:a16="http://schemas.microsoft.com/office/drawing/2014/main" xmlns="" id="{0C480937-F08C-4A40-946A-9FA8434D6EA0}"/>
-              </a:ext>
-            </a:extLst>
-          </p:cNvPr>
-          <p:cNvCxnSpPr>
-            <a:cxnSpLocks/>
-          </p:cNvCxnSpPr>
-          <p:nvPr/>
-        </p:nvCxnSpPr>
-        <p:spPr>
-          <a:xfrm>
-            <a:off x="558782" y="4362887"/>
-            <a:ext cx="0" cy="1753829"/>
-          </a:xfrm>
-          <a:prstGeom prst="straightConnector1">
-            <a:avLst/>
-          </a:prstGeom>
-          <a:noFill/>
-          <a:ln w="28575" cap="flat" cmpd="sng">
-            <a:solidFill>
-              <a:srgbClr val="065CAB"/>
-            </a:solidFill>
-            <a:prstDash val="solid"/>
-            <a:miter lim="800000"/>
-            <a:headEnd type="none" w="sm" len="sm"/>
-            <a:tailEnd type="none" w="sm" len="sm"/>
-          </a:ln>
-        </p:spPr>
-      </p:cxnSp>
-      <p:cxnSp>
-        <p:nvCxnSpPr>
-          <p:cNvPr id="10" name="Google Shape;214;p9">
-            <a:extLst>
-              <a:ext uri="{FF2B5EF4-FFF2-40B4-BE49-F238E27FC236}">
-                <a16:creationId xmlns:a16="http://schemas.microsoft.com/office/drawing/2014/main" xmlns="" id="{8E660AC8-2945-4581-B887-9EB868DF2EA6}"/>
-              </a:ext>
-            </a:extLst>
-          </p:cNvPr>
-          <p:cNvCxnSpPr>
-            <a:cxnSpLocks/>
-          </p:cNvCxnSpPr>
-          <p:nvPr/>
-        </p:nvCxnSpPr>
-        <p:spPr>
-          <a:xfrm flipV="1">
-            <a:off x="559293" y="6095533"/>
-            <a:ext cx="825048" cy="21183"/>
-          </a:xfrm>
-          <a:prstGeom prst="straightConnector1">
-            <a:avLst/>
-          </a:prstGeom>
-          <a:noFill/>
-          <a:ln w="28575" cap="flat" cmpd="sng">
-            <a:solidFill>
-              <a:srgbClr val="065CAB"/>
-            </a:solidFill>
-            <a:prstDash val="solid"/>
-            <a:miter lim="800000"/>
-            <a:headEnd type="none" w="sm" len="sm"/>
-            <a:tailEnd type="none" w="sm" len="sm"/>
-          </a:ln>
-        </p:spPr>
-      </p:cxnSp>
-      <p:cxnSp>
-        <p:nvCxnSpPr>
-          <p:cNvPr id="11" name="Google Shape;215;p9">
-            <a:extLst>
-              <a:ext uri="{FF2B5EF4-FFF2-40B4-BE49-F238E27FC236}">
-                <a16:creationId xmlns:a16="http://schemas.microsoft.com/office/drawing/2014/main" xmlns="" id="{7057A822-034F-4B62-9A1A-674FAE24E888}"/>
-              </a:ext>
-            </a:extLst>
-          </p:cNvPr>
-          <p:cNvCxnSpPr>
-            <a:cxnSpLocks/>
-          </p:cNvCxnSpPr>
-          <p:nvPr/>
-        </p:nvCxnSpPr>
-        <p:spPr>
-          <a:xfrm>
-            <a:off x="558782" y="4362887"/>
-            <a:ext cx="825559" cy="0"/>
-          </a:xfrm>
-          <a:prstGeom prst="straightConnector1">
-            <a:avLst/>
-          </a:prstGeom>
-          <a:noFill/>
-          <a:ln w="28575" cap="flat" cmpd="sng">
-            <a:solidFill>
-              <a:srgbClr val="065CAB"/>
-            </a:solidFill>
-            <a:prstDash val="solid"/>
-            <a:miter lim="800000"/>
-            <a:headEnd type="none" w="sm" len="sm"/>
-            <a:tailEnd type="none" w="sm" len="sm"/>
-          </a:ln>
-        </p:spPr>
-      </p:cxnSp>
-      <p:graphicFrame>
-        <p:nvGraphicFramePr>
-          <p:cNvPr id="12" name="Google Shape;216;p9">
-            <a:extLst>
-              <a:ext uri="{FF2B5EF4-FFF2-40B4-BE49-F238E27FC236}">
-                <a16:creationId xmlns:a16="http://schemas.microsoft.com/office/drawing/2014/main" xmlns="" id="{0591FBE5-9C19-4B24-9A14-AE072409511A}"/>
-              </a:ext>
-            </a:extLst>
-          </p:cNvPr>
-          <p:cNvGraphicFramePr/>
-          <p:nvPr>
-            <p:extLst>
-              <p:ext uri="{D42A27DB-BD31-4B8C-83A1-F6EECF244321}">
-                <p14:modId xmlns:p14="http://schemas.microsoft.com/office/powerpoint/2010/main" val="1328270087"/>
-              </p:ext>
-            </p:extLst>
-          </p:nvPr>
-        </p:nvGraphicFramePr>
-        <p:xfrm>
-          <a:off x="926310" y="1732784"/>
-          <a:ext cx="10339379" cy="2312768"/>
-        </p:xfrm>
-        <a:graphic>
-          <a:graphicData uri="http://schemas.openxmlformats.org/drawingml/2006/chart">
-            <c:chart xmlns:c="http://schemas.openxmlformats.org/drawingml/2006/chart" xmlns:r="http://schemas.openxmlformats.org/officeDocument/2006/relationships" r:id="rId2"/>
-          </a:graphicData>
-        </a:graphic>
-      </p:graphicFrame>
       <p:grpSp>
         <p:nvGrpSpPr>
           <p:cNvPr id="14" name="Группа 13">
             <a:extLst>
               <a:ext uri="{FF2B5EF4-FFF2-40B4-BE49-F238E27FC236}">
-                <a16:creationId xmlns:a16="http://schemas.microsoft.com/office/drawing/2014/main" xmlns="" id="{F324A62E-A256-4354-8835-CFA3C09136B2}"/>
+                <a16:creationId xmlns="" xmlns:a16="http://schemas.microsoft.com/office/drawing/2014/main" id="{F324A62E-A256-4354-8835-CFA3C09136B2}"/>
               </a:ext>
             </a:extLst>
           </p:cNvPr>
@@ -11317,7 +10090,7 @@
             <p:cNvPr id="15" name="Прямоугольник 14">
               <a:extLst>
                 <a:ext uri="{FF2B5EF4-FFF2-40B4-BE49-F238E27FC236}">
-                  <a16:creationId xmlns:a16="http://schemas.microsoft.com/office/drawing/2014/main" xmlns="" id="{E589737A-BA23-46A0-A36B-BE16171D8E61}"/>
+                  <a16:creationId xmlns="" xmlns:a16="http://schemas.microsoft.com/office/drawing/2014/main" id="{E589737A-BA23-46A0-A36B-BE16171D8E61}"/>
                 </a:ext>
               </a:extLst>
             </p:cNvPr>
@@ -11389,7 +10162,7 @@
             <p:cNvPr id="16" name="Прямоугольник 58">
               <a:extLst>
                 <a:ext uri="{FF2B5EF4-FFF2-40B4-BE49-F238E27FC236}">
-                  <a16:creationId xmlns:a16="http://schemas.microsoft.com/office/drawing/2014/main" xmlns="" id="{1C3517E3-F6E0-4F52-AEE5-DC80364E562C}"/>
+                  <a16:creationId xmlns="" xmlns:a16="http://schemas.microsoft.com/office/drawing/2014/main" id="{1C3517E3-F6E0-4F52-AEE5-DC80364E562C}"/>
                 </a:ext>
               </a:extLst>
             </p:cNvPr>
@@ -11526,7 +10299,7 @@
             <p:cNvPr id="17" name="Прямоугольник 58">
               <a:extLst>
                 <a:ext uri="{FF2B5EF4-FFF2-40B4-BE49-F238E27FC236}">
-                  <a16:creationId xmlns:a16="http://schemas.microsoft.com/office/drawing/2014/main" xmlns="" id="{CEC88DFA-D330-4EAE-893E-A44623A39FD6}"/>
+                  <a16:creationId xmlns="" xmlns:a16="http://schemas.microsoft.com/office/drawing/2014/main" id="{CEC88DFA-D330-4EAE-893E-A44623A39FD6}"/>
                 </a:ext>
               </a:extLst>
             </p:cNvPr>
@@ -11664,6 +10437,310 @@
           </p:txBody>
         </p:sp>
       </p:grpSp>
+      <p:sp>
+        <p:nvSpPr>
+          <p:cNvPr id="2" name="Текст 1"/>
+          <p:cNvSpPr>
+            <a:spLocks noGrp="1"/>
+          </p:cNvSpPr>
+          <p:nvPr>
+            <p:ph type="body" idx="1"/>
+          </p:nvPr>
+        </p:nvSpPr>
+        <p:spPr>
+          <a:xfrm>
+            <a:off x="555171" y="1647463"/>
+            <a:ext cx="2612710" cy="4647201"/>
+          </a:xfrm>
+        </p:spPr>
+        <p:txBody>
+          <a:bodyPr>
+            <a:normAutofit/>
+          </a:bodyPr>
+          <a:lstStyle/>
+          <a:p>
+            <a:pPr marL="76200" indent="0">
+              <a:buNone/>
+            </a:pPr>
+            <a:r>
+              <a:rPr lang="ru-RU" sz="1800" dirty="0" smtClean="0">
+                <a:latin typeface="Times New Roman" panose="02020603050405020304" pitchFamily="18" charset="0"/>
+                <a:cs typeface="Times New Roman" panose="02020603050405020304" pitchFamily="18" charset="0"/>
+              </a:rPr>
+              <a:t>Для рекомендации «Соотношение матрица-наполнитель» были построены несколько многослойных </a:t>
+            </a:r>
+            <a:r>
+              <a:rPr lang="ru-RU" sz="1800" dirty="0" err="1" smtClean="0">
+                <a:latin typeface="Times New Roman" panose="02020603050405020304" pitchFamily="18" charset="0"/>
+                <a:cs typeface="Times New Roman" panose="02020603050405020304" pitchFamily="18" charset="0"/>
+              </a:rPr>
+              <a:t>полносвязных</a:t>
+            </a:r>
+            <a:r>
+              <a:rPr lang="ru-RU" sz="1800" dirty="0" smtClean="0">
+                <a:latin typeface="Times New Roman" panose="02020603050405020304" pitchFamily="18" charset="0"/>
+                <a:cs typeface="Times New Roman" panose="02020603050405020304" pitchFamily="18" charset="0"/>
+              </a:rPr>
+              <a:t> нейронных сетей. </a:t>
+            </a:r>
+          </a:p>
+          <a:p>
+            <a:pPr marL="76200" indent="0">
+              <a:buNone/>
+            </a:pPr>
+            <a:r>
+              <a:rPr lang="ru-RU" sz="1800" dirty="0" smtClean="0">
+                <a:latin typeface="Times New Roman" panose="02020603050405020304" pitchFamily="18" charset="0"/>
+                <a:cs typeface="Times New Roman" panose="02020603050405020304" pitchFamily="18" charset="0"/>
+              </a:rPr>
+              <a:t>Однако ни одна из них не показала значимого результата и не решила поставленную задачу </a:t>
+            </a:r>
+            <a:endParaRPr lang="ru-RU" sz="1800" dirty="0">
+              <a:latin typeface="Times New Roman" panose="02020603050405020304" pitchFamily="18" charset="0"/>
+              <a:cs typeface="Times New Roman" panose="02020603050405020304" pitchFamily="18" charset="0"/>
+            </a:endParaRPr>
+          </a:p>
+        </p:txBody>
+      </p:sp>
+      <p:pic>
+        <p:nvPicPr>
+          <p:cNvPr id="19" name="Рисунок 18"/>
+          <p:cNvPicPr>
+            <a:picLocks noChangeAspect="1"/>
+          </p:cNvPicPr>
+          <p:nvPr/>
+        </p:nvPicPr>
+        <p:blipFill>
+          <a:blip r:embed="rId2">
+            <a:extLst>
+              <a:ext uri="{28A0092B-C50C-407E-A947-70E740481C1C}">
+                <a14:useLocalDpi xmlns:a14="http://schemas.microsoft.com/office/drawing/2010/main" val="0"/>
+              </a:ext>
+            </a:extLst>
+          </a:blip>
+          <a:stretch>
+            <a:fillRect/>
+          </a:stretch>
+        </p:blipFill>
+        <p:spPr>
+          <a:xfrm>
+            <a:off x="3518807" y="2252367"/>
+            <a:ext cx="3969788" cy="1644233"/>
+          </a:xfrm>
+          <a:prstGeom prst="rect">
+            <a:avLst/>
+          </a:prstGeom>
+        </p:spPr>
+      </p:pic>
+      <p:pic>
+        <p:nvPicPr>
+          <p:cNvPr id="7" name="Рисунок 6"/>
+          <p:cNvPicPr>
+            <a:picLocks noChangeAspect="1"/>
+          </p:cNvPicPr>
+          <p:nvPr/>
+        </p:nvPicPr>
+        <p:blipFill>
+          <a:blip r:embed="rId3">
+            <a:extLst>
+              <a:ext uri="{28A0092B-C50C-407E-A947-70E740481C1C}">
+                <a14:useLocalDpi xmlns:a14="http://schemas.microsoft.com/office/drawing/2010/main" val="0"/>
+              </a:ext>
+            </a:extLst>
+          </a:blip>
+          <a:stretch>
+            <a:fillRect/>
+          </a:stretch>
+        </p:blipFill>
+        <p:spPr>
+          <a:xfrm>
+            <a:off x="3518807" y="3641270"/>
+            <a:ext cx="3969788" cy="2901506"/>
+          </a:xfrm>
+          <a:prstGeom prst="rect">
+            <a:avLst/>
+          </a:prstGeom>
+        </p:spPr>
+      </p:pic>
+      <p:pic>
+        <p:nvPicPr>
+          <p:cNvPr id="13" name="Рисунок 12"/>
+          <p:cNvPicPr>
+            <a:picLocks noChangeAspect="1"/>
+          </p:cNvPicPr>
+          <p:nvPr/>
+        </p:nvPicPr>
+        <p:blipFill>
+          <a:blip r:embed="rId4">
+            <a:extLst>
+              <a:ext uri="{28A0092B-C50C-407E-A947-70E740481C1C}">
+                <a14:useLocalDpi xmlns:a14="http://schemas.microsoft.com/office/drawing/2010/main" val="0"/>
+              </a:ext>
+            </a:extLst>
+          </a:blip>
+          <a:stretch>
+            <a:fillRect/>
+          </a:stretch>
+        </p:blipFill>
+        <p:spPr>
+          <a:xfrm>
+            <a:off x="3518807" y="1163368"/>
+            <a:ext cx="3969788" cy="1171070"/>
+          </a:xfrm>
+          <a:prstGeom prst="rect">
+            <a:avLst/>
+          </a:prstGeom>
+        </p:spPr>
+      </p:pic>
+      <p:pic>
+        <p:nvPicPr>
+          <p:cNvPr id="18" name="Рисунок 17"/>
+          <p:cNvPicPr>
+            <a:picLocks noChangeAspect="1"/>
+          </p:cNvPicPr>
+          <p:nvPr/>
+        </p:nvPicPr>
+        <p:blipFill>
+          <a:blip r:embed="rId5">
+            <a:extLst>
+              <a:ext uri="{28A0092B-C50C-407E-A947-70E740481C1C}">
+                <a14:useLocalDpi xmlns:a14="http://schemas.microsoft.com/office/drawing/2010/main" val="0"/>
+              </a:ext>
+            </a:extLst>
+          </a:blip>
+          <a:stretch>
+            <a:fillRect/>
+          </a:stretch>
+        </p:blipFill>
+        <p:spPr>
+          <a:xfrm>
+            <a:off x="4207328" y="3842657"/>
+            <a:ext cx="1981200" cy="495300"/>
+          </a:xfrm>
+          <a:prstGeom prst="rect">
+            <a:avLst/>
+          </a:prstGeom>
+        </p:spPr>
+      </p:pic>
+      <p:pic>
+        <p:nvPicPr>
+          <p:cNvPr id="23" name="Рисунок 22"/>
+          <p:cNvPicPr>
+            <a:picLocks noChangeAspect="1"/>
+          </p:cNvPicPr>
+          <p:nvPr/>
+        </p:nvPicPr>
+        <p:blipFill>
+          <a:blip r:embed="rId6">
+            <a:extLst>
+              <a:ext uri="{28A0092B-C50C-407E-A947-70E740481C1C}">
+                <a14:useLocalDpi xmlns:a14="http://schemas.microsoft.com/office/drawing/2010/main" val="0"/>
+              </a:ext>
+            </a:extLst>
+          </a:blip>
+          <a:stretch>
+            <a:fillRect/>
+          </a:stretch>
+        </p:blipFill>
+        <p:spPr>
+          <a:xfrm>
+            <a:off x="7764236" y="2252367"/>
+            <a:ext cx="3992617" cy="1735806"/>
+          </a:xfrm>
+          <a:prstGeom prst="rect">
+            <a:avLst/>
+          </a:prstGeom>
+        </p:spPr>
+      </p:pic>
+      <p:pic>
+        <p:nvPicPr>
+          <p:cNvPr id="21" name="Рисунок 20"/>
+          <p:cNvPicPr>
+            <a:picLocks noChangeAspect="1"/>
+          </p:cNvPicPr>
+          <p:nvPr/>
+        </p:nvPicPr>
+        <p:blipFill>
+          <a:blip r:embed="rId7">
+            <a:extLst>
+              <a:ext uri="{28A0092B-C50C-407E-A947-70E740481C1C}">
+                <a14:useLocalDpi xmlns:a14="http://schemas.microsoft.com/office/drawing/2010/main" val="0"/>
+              </a:ext>
+            </a:extLst>
+          </a:blip>
+          <a:stretch>
+            <a:fillRect/>
+          </a:stretch>
+        </p:blipFill>
+        <p:spPr>
+          <a:xfrm>
+            <a:off x="7764236" y="3668957"/>
+            <a:ext cx="3959678" cy="2873819"/>
+          </a:xfrm>
+          <a:prstGeom prst="rect">
+            <a:avLst/>
+          </a:prstGeom>
+        </p:spPr>
+      </p:pic>
+      <p:pic>
+        <p:nvPicPr>
+          <p:cNvPr id="22" name="Рисунок 21"/>
+          <p:cNvPicPr>
+            <a:picLocks noChangeAspect="1"/>
+          </p:cNvPicPr>
+          <p:nvPr/>
+        </p:nvPicPr>
+        <p:blipFill rotWithShape="1">
+          <a:blip r:embed="rId8">
+            <a:extLst>
+              <a:ext uri="{28A0092B-C50C-407E-A947-70E740481C1C}">
+                <a14:useLocalDpi xmlns:a14="http://schemas.microsoft.com/office/drawing/2010/main" val="0"/>
+              </a:ext>
+            </a:extLst>
+          </a:blip>
+          <a:srcRect b="16771"/>
+          <a:stretch/>
+        </p:blipFill>
+        <p:spPr>
+          <a:xfrm>
+            <a:off x="8447993" y="3842657"/>
+            <a:ext cx="2043113" cy="454833"/>
+          </a:xfrm>
+          <a:prstGeom prst="rect">
+            <a:avLst/>
+          </a:prstGeom>
+        </p:spPr>
+      </p:pic>
+      <p:pic>
+        <p:nvPicPr>
+          <p:cNvPr id="24" name="Рисунок 23"/>
+          <p:cNvPicPr>
+            <a:picLocks noChangeAspect="1"/>
+          </p:cNvPicPr>
+          <p:nvPr/>
+        </p:nvPicPr>
+        <p:blipFill>
+          <a:blip r:embed="rId9">
+            <a:extLst>
+              <a:ext uri="{28A0092B-C50C-407E-A947-70E740481C1C}">
+                <a14:useLocalDpi xmlns:a14="http://schemas.microsoft.com/office/drawing/2010/main" val="0"/>
+              </a:ext>
+            </a:extLst>
+          </a:blip>
+          <a:stretch>
+            <a:fillRect/>
+          </a:stretch>
+        </p:blipFill>
+        <p:spPr>
+          <a:xfrm>
+            <a:off x="7764236" y="1181442"/>
+            <a:ext cx="4042543" cy="1175809"/>
+          </a:xfrm>
+          <a:prstGeom prst="rect">
+            <a:avLst/>
+          </a:prstGeom>
+        </p:spPr>
+      </p:pic>
     </p:spTree>
     <p:extLst>
       <p:ext uri="{BB962C8B-B14F-4D97-AF65-F5344CB8AC3E}">
@@ -11682,6 +10759,13 @@
       <p:transition/>
     </mc:Fallback>
   </mc:AlternateContent>
+  <p:timing>
+    <p:tnLst>
+      <p:par>
+        <p:cTn id="1" dur="indefinite" restart="never" nodeType="tmRoot"/>
+      </p:par>
+    </p:tnLst>
+  </p:timing>
 </p:sld>
 </file>
 
@@ -11707,7 +10791,7 @@
           <p:cNvPr id="3" name="Номер слайда 2">
             <a:extLst>
               <a:ext uri="{FF2B5EF4-FFF2-40B4-BE49-F238E27FC236}">
-                <a16:creationId xmlns:a16="http://schemas.microsoft.com/office/drawing/2014/main" xmlns="" id="{36BD7408-43B6-4862-BD1A-5C98F187C8BF}"/>
+                <a16:creationId xmlns="" xmlns:a16="http://schemas.microsoft.com/office/drawing/2014/main" id="{36BD7408-43B6-4862-BD1A-5C98F187C8BF}"/>
               </a:ext>
             </a:extLst>
           </p:cNvPr>
@@ -11745,7 +10829,7 @@
           <p:cNvPr id="4" name="Текст 3">
             <a:extLst>
               <a:ext uri="{FF2B5EF4-FFF2-40B4-BE49-F238E27FC236}">
-                <a16:creationId xmlns:a16="http://schemas.microsoft.com/office/drawing/2014/main" xmlns="" id="{B4D6C889-48F4-4B26-954C-96F87149FC30}"/>
+                <a16:creationId xmlns="" xmlns:a16="http://schemas.microsoft.com/office/drawing/2014/main" id="{B4D6C889-48F4-4B26-954C-96F87149FC30}"/>
               </a:ext>
             </a:extLst>
           </p:cNvPr>
@@ -11759,7 +10843,7 @@
         <p:spPr>
           <a:xfrm>
             <a:off x="387331" y="1938304"/>
-            <a:ext cx="5508000" cy="4507045"/>
+            <a:ext cx="2878336" cy="4209403"/>
           </a:xfrm>
         </p:spPr>
         <p:txBody>
@@ -11768,86 +10852,55 @@
           </a:bodyPr>
           <a:lstStyle/>
           <a:p>
-            <a:pPr marL="76200" indent="0" algn="just">
+            <a:pPr marL="76200" indent="0">
               <a:buNone/>
             </a:pPr>
             <a:r>
-              <a:rPr lang="ru-RU" sz="2200" dirty="0"/>
-              <a:t>Текст слайда</a:t>
+              <a:rPr lang="ru-RU" sz="2000" dirty="0" smtClean="0">
+                <a:latin typeface="Times New Roman" panose="02020603050405020304" pitchFamily="18" charset="0"/>
+                <a:cs typeface="Times New Roman" panose="02020603050405020304" pitchFamily="18" charset="0"/>
+              </a:rPr>
+              <a:t>Было разработано </a:t>
             </a:r>
-          </a:p>
-        </p:txBody>
-      </p:sp>
-      <p:sp>
-        <p:nvSpPr>
-          <p:cNvPr id="5" name="Текст 4">
-            <a:extLst>
-              <a:ext uri="{FF2B5EF4-FFF2-40B4-BE49-F238E27FC236}">
-                <a16:creationId xmlns:a16="http://schemas.microsoft.com/office/drawing/2014/main" xmlns="" id="{EDC4FB7F-80E5-439C-8598-169F703070B3}"/>
-              </a:ext>
-            </a:extLst>
-          </p:cNvPr>
-          <p:cNvSpPr>
-            <a:spLocks noGrp="1"/>
-          </p:cNvSpPr>
-          <p:nvPr>
-            <p:ph type="body" idx="2"/>
-          </p:nvPr>
-        </p:nvSpPr>
-        <p:spPr>
-          <a:xfrm>
-            <a:off x="6241899" y="1938304"/>
-            <a:ext cx="5508000" cy="4507045"/>
-          </a:xfrm>
-        </p:spPr>
-        <p:txBody>
-          <a:bodyPr>
-            <a:normAutofit/>
-          </a:bodyPr>
-          <a:lstStyle/>
-          <a:p>
-            <a:pPr marL="76200" indent="0" algn="just">
-              <a:buNone/>
-            </a:pPr>
             <a:r>
-              <a:rPr lang="ru-RU" sz="2200" dirty="0"/>
-              <a:t>Текст слайда</a:t>
+              <a:rPr lang="ru-RU" sz="2000" dirty="0" smtClean="0">
+                <a:latin typeface="Times New Roman" panose="02020603050405020304" pitchFamily="18" charset="0"/>
+                <a:cs typeface="Times New Roman" panose="02020603050405020304" pitchFamily="18" charset="0"/>
+              </a:rPr>
+              <a:t>приложение в      микро-</a:t>
             </a:r>
-          </a:p>
-        </p:txBody>
-      </p:sp>
-      <p:sp>
-        <p:nvSpPr>
-          <p:cNvPr id="2" name="Текст 1">
-            <a:extLst>
-              <a:ext uri="{FF2B5EF4-FFF2-40B4-BE49-F238E27FC236}">
-                <a16:creationId xmlns:a16="http://schemas.microsoft.com/office/drawing/2014/main" xmlns="" id="{D2E8A5C6-F120-492A-B908-124489466D78}"/>
-              </a:ext>
-            </a:extLst>
-          </p:cNvPr>
-          <p:cNvSpPr>
-            <a:spLocks noGrp="1"/>
-          </p:cNvSpPr>
-          <p:nvPr>
-            <p:ph type="body" idx="14"/>
-          </p:nvPr>
-        </p:nvSpPr>
-        <p:spPr>
-          <a:xfrm>
-            <a:off x="206357" y="1330759"/>
-            <a:ext cx="11196533" cy="584686"/>
-          </a:xfrm>
-        </p:spPr>
-        <p:txBody>
-          <a:bodyPr>
-            <a:normAutofit/>
-          </a:bodyPr>
-          <a:lstStyle/>
-          <a:p>
             <a:r>
-              <a:rPr lang="ru-RU" sz="2600" dirty="0"/>
-              <a:t>Подзаголовок</a:t>
+              <a:rPr lang="ru-RU" sz="2000" dirty="0" err="1" smtClean="0">
+                <a:latin typeface="Times New Roman" panose="02020603050405020304" pitchFamily="18" charset="0"/>
+                <a:cs typeface="Times New Roman" panose="02020603050405020304" pitchFamily="18" charset="0"/>
+              </a:rPr>
+              <a:t>фреймворке</a:t>
             </a:r>
+            <a:r>
+              <a:rPr lang="ru-RU" sz="2000" dirty="0" smtClean="0">
+                <a:latin typeface="Times New Roman" panose="02020603050405020304" pitchFamily="18" charset="0"/>
+                <a:cs typeface="Times New Roman" panose="02020603050405020304" pitchFamily="18" charset="0"/>
+              </a:rPr>
+              <a:t> </a:t>
+            </a:r>
+            <a:r>
+              <a:rPr lang="en-US" sz="2000" dirty="0" smtClean="0">
+                <a:latin typeface="Times New Roman" panose="02020603050405020304" pitchFamily="18" charset="0"/>
+                <a:cs typeface="Times New Roman" panose="02020603050405020304" pitchFamily="18" charset="0"/>
+              </a:rPr>
+              <a:t>Flask </a:t>
+            </a:r>
+            <a:r>
+              <a:rPr lang="ru-RU" sz="2000" dirty="0" smtClean="0">
+                <a:latin typeface="Times New Roman" panose="02020603050405020304" pitchFamily="18" charset="0"/>
+                <a:cs typeface="Times New Roman" panose="02020603050405020304" pitchFamily="18" charset="0"/>
+              </a:rPr>
+              <a:t>для предсказания «Соотношение матрица-наполнитель»</a:t>
+            </a:r>
+            <a:endParaRPr lang="ru-RU" sz="2000" dirty="0" smtClean="0">
+              <a:latin typeface="Times New Roman" panose="02020603050405020304" pitchFamily="18" charset="0"/>
+              <a:cs typeface="Times New Roman" panose="02020603050405020304" pitchFamily="18" charset="0"/>
+            </a:endParaRPr>
           </a:p>
         </p:txBody>
       </p:sp>
@@ -11856,7 +10909,7 @@
           <p:cNvPr id="8" name="Группа 7">
             <a:extLst>
               <a:ext uri="{FF2B5EF4-FFF2-40B4-BE49-F238E27FC236}">
-                <a16:creationId xmlns:a16="http://schemas.microsoft.com/office/drawing/2014/main" xmlns="" id="{0C9DC557-5581-495D-BB23-B94ADFCDEF50}"/>
+                <a16:creationId xmlns="" xmlns:a16="http://schemas.microsoft.com/office/drawing/2014/main" id="{0C9DC557-5581-495D-BB23-B94ADFCDEF50}"/>
               </a:ext>
             </a:extLst>
           </p:cNvPr>
@@ -11876,7 +10929,7 @@
             <p:cNvPr id="11" name="Прямоугольник 10">
               <a:extLst>
                 <a:ext uri="{FF2B5EF4-FFF2-40B4-BE49-F238E27FC236}">
-                  <a16:creationId xmlns:a16="http://schemas.microsoft.com/office/drawing/2014/main" xmlns="" id="{D70003C4-955E-467F-96F1-C68960CDA5F3}"/>
+                  <a16:creationId xmlns="" xmlns:a16="http://schemas.microsoft.com/office/drawing/2014/main" id="{D70003C4-955E-467F-96F1-C68960CDA5F3}"/>
                 </a:ext>
               </a:extLst>
             </p:cNvPr>
@@ -11948,7 +11001,7 @@
             <p:cNvPr id="12" name="Прямоугольник 58">
               <a:extLst>
                 <a:ext uri="{FF2B5EF4-FFF2-40B4-BE49-F238E27FC236}">
-                  <a16:creationId xmlns:a16="http://schemas.microsoft.com/office/drawing/2014/main" xmlns="" id="{286A3B8D-B315-48AD-9EFB-F044CE30BB70}"/>
+                  <a16:creationId xmlns="" xmlns:a16="http://schemas.microsoft.com/office/drawing/2014/main" id="{286A3B8D-B315-48AD-9EFB-F044CE30BB70}"/>
                 </a:ext>
               </a:extLst>
             </p:cNvPr>
@@ -12085,7 +11138,7 @@
             <p:cNvPr id="13" name="Прямоугольник 58">
               <a:extLst>
                 <a:ext uri="{FF2B5EF4-FFF2-40B4-BE49-F238E27FC236}">
-                  <a16:creationId xmlns:a16="http://schemas.microsoft.com/office/drawing/2014/main" xmlns="" id="{DF012F52-6F76-4D9F-8DB5-627F1CB1104A}"/>
+                  <a16:creationId xmlns="" xmlns:a16="http://schemas.microsoft.com/office/drawing/2014/main" id="{DF012F52-6F76-4D9F-8DB5-627F1CB1104A}"/>
                 </a:ext>
               </a:extLst>
             </p:cNvPr>
@@ -12223,6 +11276,66 @@
           </p:txBody>
         </p:sp>
       </p:grpSp>
+      <p:pic>
+        <p:nvPicPr>
+          <p:cNvPr id="7" name="Рисунок 6"/>
+          <p:cNvPicPr>
+            <a:picLocks noChangeAspect="1"/>
+          </p:cNvPicPr>
+          <p:nvPr/>
+        </p:nvPicPr>
+        <p:blipFill>
+          <a:blip r:embed="rId2">
+            <a:extLst>
+              <a:ext uri="{28A0092B-C50C-407E-A947-70E740481C1C}">
+                <a14:useLocalDpi xmlns:a14="http://schemas.microsoft.com/office/drawing/2010/main" val="0"/>
+              </a:ext>
+            </a:extLst>
+          </a:blip>
+          <a:stretch>
+            <a:fillRect/>
+          </a:stretch>
+        </p:blipFill>
+        <p:spPr>
+          <a:xfrm>
+            <a:off x="7829550" y="1787942"/>
+            <a:ext cx="4290101" cy="3649363"/>
+          </a:xfrm>
+          <a:prstGeom prst="rect">
+            <a:avLst/>
+          </a:prstGeom>
+        </p:spPr>
+      </p:pic>
+      <p:pic>
+        <p:nvPicPr>
+          <p:cNvPr id="9" name="Рисунок 8"/>
+          <p:cNvPicPr>
+            <a:picLocks noChangeAspect="1"/>
+          </p:cNvPicPr>
+          <p:nvPr/>
+        </p:nvPicPr>
+        <p:blipFill>
+          <a:blip r:embed="rId3">
+            <a:extLst>
+              <a:ext uri="{28A0092B-C50C-407E-A947-70E740481C1C}">
+                <a14:useLocalDpi xmlns:a14="http://schemas.microsoft.com/office/drawing/2010/main" val="0"/>
+              </a:ext>
+            </a:extLst>
+          </a:blip>
+          <a:stretch>
+            <a:fillRect/>
+          </a:stretch>
+        </p:blipFill>
+        <p:spPr>
+          <a:xfrm>
+            <a:off x="3265667" y="1787942"/>
+            <a:ext cx="4547709" cy="3731077"/>
+          </a:xfrm>
+          <a:prstGeom prst="rect">
+            <a:avLst/>
+          </a:prstGeom>
+        </p:spPr>
+      </p:pic>
     </p:spTree>
     <p:extLst>
       <p:ext uri="{BB962C8B-B14F-4D97-AF65-F5344CB8AC3E}">
@@ -12245,6 +11358,13 @@
       </p:transition>
     </mc:Fallback>
   </mc:AlternateContent>
+  <p:timing>
+    <p:tnLst>
+      <p:par>
+        <p:cTn id="1" dur="indefinite" restart="never" nodeType="tmRoot"/>
+      </p:par>
+    </p:tnLst>
+  </p:timing>
 </p:sld>
 </file>
 
@@ -12278,6 +11398,13 @@
       <p:transition/>
     </mc:Fallback>
   </mc:AlternateContent>
+  <p:timing>
+    <p:tnLst>
+      <p:par>
+        <p:cTn id="1" dur="indefinite" restart="never" nodeType="tmRoot"/>
+      </p:par>
+    </p:tnLst>
+  </p:timing>
 </p:sld>
 </file>
 
